--- a/LectureFiles/cbw/2015/RNASeq_Module2_Lecture.pptx
+++ b/LectureFiles/cbw/2015/RNASeq_Module2_Lecture.pptx
@@ -5,53 +5,52 @@
     <p:sldMasterId id="2147483648" r:id="rId1"/>
   </p:sldMasterIdLst>
   <p:notesMasterIdLst>
-    <p:notesMasterId r:id="rId43"/>
+    <p:notesMasterId r:id="rId42"/>
   </p:notesMasterIdLst>
   <p:handoutMasterIdLst>
-    <p:handoutMasterId r:id="rId44"/>
+    <p:handoutMasterId r:id="rId43"/>
   </p:handoutMasterIdLst>
   <p:sldIdLst>
     <p:sldId id="341" r:id="rId2"/>
-    <p:sldId id="516" r:id="rId3"/>
-    <p:sldId id="342" r:id="rId4"/>
-    <p:sldId id="257" r:id="rId5"/>
-    <p:sldId id="517" r:id="rId6"/>
-    <p:sldId id="518" r:id="rId7"/>
-    <p:sldId id="519" r:id="rId8"/>
-    <p:sldId id="520" r:id="rId9"/>
-    <p:sldId id="521" r:id="rId10"/>
-    <p:sldId id="522" r:id="rId11"/>
-    <p:sldId id="523" r:id="rId12"/>
-    <p:sldId id="524" r:id="rId13"/>
-    <p:sldId id="541" r:id="rId14"/>
-    <p:sldId id="542" r:id="rId15"/>
-    <p:sldId id="543" r:id="rId16"/>
-    <p:sldId id="525" r:id="rId17"/>
-    <p:sldId id="526" r:id="rId18"/>
-    <p:sldId id="527" r:id="rId19"/>
-    <p:sldId id="528" r:id="rId20"/>
-    <p:sldId id="529" r:id="rId21"/>
-    <p:sldId id="530" r:id="rId22"/>
-    <p:sldId id="531" r:id="rId23"/>
-    <p:sldId id="532" r:id="rId24"/>
-    <p:sldId id="533" r:id="rId25"/>
-    <p:sldId id="534" r:id="rId26"/>
-    <p:sldId id="535" r:id="rId27"/>
-    <p:sldId id="536" r:id="rId28"/>
-    <p:sldId id="537" r:id="rId29"/>
-    <p:sldId id="544" r:id="rId30"/>
-    <p:sldId id="545" r:id="rId31"/>
-    <p:sldId id="546" r:id="rId32"/>
-    <p:sldId id="547" r:id="rId33"/>
-    <p:sldId id="548" r:id="rId34"/>
-    <p:sldId id="549" r:id="rId35"/>
-    <p:sldId id="550" r:id="rId36"/>
-    <p:sldId id="551" r:id="rId37"/>
-    <p:sldId id="552" r:id="rId38"/>
-    <p:sldId id="538" r:id="rId39"/>
-    <p:sldId id="539" r:id="rId40"/>
-    <p:sldId id="540" r:id="rId41"/>
-    <p:sldId id="512" r:id="rId42"/>
+    <p:sldId id="342" r:id="rId3"/>
+    <p:sldId id="257" r:id="rId4"/>
+    <p:sldId id="517" r:id="rId5"/>
+    <p:sldId id="518" r:id="rId6"/>
+    <p:sldId id="519" r:id="rId7"/>
+    <p:sldId id="520" r:id="rId8"/>
+    <p:sldId id="521" r:id="rId9"/>
+    <p:sldId id="522" r:id="rId10"/>
+    <p:sldId id="523" r:id="rId11"/>
+    <p:sldId id="524" r:id="rId12"/>
+    <p:sldId id="541" r:id="rId13"/>
+    <p:sldId id="542" r:id="rId14"/>
+    <p:sldId id="543" r:id="rId15"/>
+    <p:sldId id="525" r:id="rId16"/>
+    <p:sldId id="526" r:id="rId17"/>
+    <p:sldId id="527" r:id="rId18"/>
+    <p:sldId id="528" r:id="rId19"/>
+    <p:sldId id="529" r:id="rId20"/>
+    <p:sldId id="530" r:id="rId21"/>
+    <p:sldId id="531" r:id="rId22"/>
+    <p:sldId id="532" r:id="rId23"/>
+    <p:sldId id="533" r:id="rId24"/>
+    <p:sldId id="534" r:id="rId25"/>
+    <p:sldId id="535" r:id="rId26"/>
+    <p:sldId id="536" r:id="rId27"/>
+    <p:sldId id="537" r:id="rId28"/>
+    <p:sldId id="544" r:id="rId29"/>
+    <p:sldId id="545" r:id="rId30"/>
+    <p:sldId id="546" r:id="rId31"/>
+    <p:sldId id="547" r:id="rId32"/>
+    <p:sldId id="548" r:id="rId33"/>
+    <p:sldId id="549" r:id="rId34"/>
+    <p:sldId id="550" r:id="rId35"/>
+    <p:sldId id="551" r:id="rId36"/>
+    <p:sldId id="552" r:id="rId37"/>
+    <p:sldId id="538" r:id="rId38"/>
+    <p:sldId id="539" r:id="rId39"/>
+    <p:sldId id="540" r:id="rId40"/>
+    <p:sldId id="512" r:id="rId41"/>
   </p:sldIdLst>
   <p:sldSz cx="9144000" cy="6858000" type="screen4x3"/>
   <p:notesSz cx="7315200" cy="9601200"/>
@@ -290,7 +289,7 @@
               <a:pPr>
                 <a:defRPr/>
               </a:pPr>
-              <a:t>4/17/15</a:t>
+              <a:t>6/1/15</a:t>
             </a:fld>
             <a:endParaRPr lang="en-US"/>
           </a:p>
@@ -505,7 +504,7 @@
               <a:pPr>
                 <a:defRPr/>
               </a:pPr>
-              <a:t>4/17/15</a:t>
+              <a:t>6/1/15</a:t>
             </a:fld>
             <a:endParaRPr lang="en-US"/>
           </a:p>
@@ -1082,7 +1081,7 @@
                 <a:latin typeface="Calibri" charset="0"/>
               </a:rPr>
               <a:pPr eaLnBrk="1" hangingPunct="1"/>
-              <a:t>6</a:t>
+              <a:t>5</a:t>
             </a:fld>
             <a:endParaRPr lang="en-US" sz="1300">
               <a:latin typeface="Calibri" charset="0"/>
@@ -3547,7 +3546,7 @@
               <a:pPr>
                 <a:defRPr/>
               </a:pPr>
-              <a:t>4/17/15</a:t>
+              <a:t>6/1/15</a:t>
             </a:fld>
             <a:endParaRPr lang="en-US"/>
           </a:p>
@@ -4415,355 +4414,6 @@
       </p:grpSpPr>
       <p:sp>
         <p:nvSpPr>
-          <p:cNvPr id="18433" name="Title 1"/>
-          <p:cNvSpPr>
-            <a:spLocks noGrp="1"/>
-          </p:cNvSpPr>
-          <p:nvPr>
-            <p:ph type="title"/>
-          </p:nvPr>
-        </p:nvSpPr>
-        <p:spPr>
-          <a:xfrm>
-            <a:off x="152400" y="-26988"/>
-            <a:ext cx="8839200" cy="1143001"/>
-          </a:xfrm>
-        </p:spPr>
-        <p:txBody>
-          <a:bodyPr/>
-          <a:lstStyle/>
-          <a:p>
-            <a:r>
-              <a:rPr lang="en-US">
-                <a:latin typeface="Calibri" charset="0"/>
-                <a:ea typeface="ＭＳ Ｐゴシック" charset="0"/>
-              </a:rPr>
-              <a:t>Which read aligner should I use?</a:t>
-            </a:r>
-          </a:p>
-        </p:txBody>
-      </p:sp>
-      <p:pic>
-        <p:nvPicPr>
-          <p:cNvPr id="18434" name="Content Placeholder 5" descr="mappers_timeline.jpeg"/>
-          <p:cNvPicPr>
-            <a:picLocks noGrp="1" noChangeAspect="1"/>
-          </p:cNvPicPr>
-          <p:nvPr>
-            <p:ph idx="1"/>
-          </p:nvPr>
-        </p:nvPicPr>
-        <p:blipFill>
-          <a:blip r:embed="rId2">
-            <a:extLst>
-              <a:ext uri="{28A0092B-C50C-407E-A947-70E740481C1C}">
-                <a14:useLocalDpi xmlns:a14="http://schemas.microsoft.com/office/drawing/2010/main" val="0"/>
-              </a:ext>
-            </a:extLst>
-          </a:blip>
-          <a:srcRect l="10445" t="12167" r="5742" b="2191"/>
-          <a:stretch>
-            <a:fillRect/>
-          </a:stretch>
-        </p:blipFill>
-        <p:spPr>
-          <a:xfrm>
-            <a:off x="1763713" y="1196975"/>
-            <a:ext cx="5472112" cy="4718050"/>
-          </a:xfrm>
-        </p:spPr>
-      </p:pic>
-      <p:sp>
-        <p:nvSpPr>
-          <p:cNvPr id="18435" name="TextBox 6"/>
-          <p:cNvSpPr txBox="1">
-            <a:spLocks noChangeArrowheads="1"/>
-          </p:cNvSpPr>
-          <p:nvPr/>
-        </p:nvSpPr>
-        <p:spPr bwMode="auto">
-          <a:xfrm>
-            <a:off x="2536825" y="5949950"/>
-            <a:ext cx="3979863" cy="338138"/>
-          </a:xfrm>
-          <a:prstGeom prst="rect">
-            <a:avLst/>
-          </a:prstGeom>
-          <a:noFill/>
-          <a:ln>
-            <a:noFill/>
-          </a:ln>
-          <a:extLst>
-            <a:ext uri="{909E8E84-426E-40dd-AFC4-6F175D3DCCD1}">
-              <a14:hiddenFill xmlns:a14="http://schemas.microsoft.com/office/drawing/2010/main">
-                <a:solidFill>
-                  <a:srgbClr val="FFFFFF"/>
-                </a:solidFill>
-              </a14:hiddenFill>
-            </a:ext>
-            <a:ext uri="{91240B29-F687-4f45-9708-019B960494DF}">
-              <a14:hiddenLine xmlns:a14="http://schemas.microsoft.com/office/drawing/2010/main" w="9525">
-                <a:solidFill>
-                  <a:srgbClr val="000000"/>
-                </a:solidFill>
-                <a:miter lim="800000"/>
-                <a:headEnd/>
-                <a:tailEnd/>
-              </a14:hiddenLine>
-            </a:ext>
-          </a:extLst>
-        </p:spPr>
-        <p:txBody>
-          <a:bodyPr wrap="none">
-            <a:spAutoFit/>
-          </a:bodyPr>
-          <a:lstStyle>
-            <a:lvl1pPr eaLnBrk="0" hangingPunct="0">
-              <a:defRPr sz="2400">
-                <a:solidFill>
-                  <a:schemeClr val="tx1"/>
-                </a:solidFill>
-                <a:latin typeface="Arial" charset="0"/>
-                <a:ea typeface="ＭＳ Ｐゴシック" charset="0"/>
-                <a:cs typeface="ＭＳ Ｐゴシック" charset="0"/>
-              </a:defRPr>
-            </a:lvl1pPr>
-            <a:lvl2pPr marL="742950" indent="-285750" eaLnBrk="0" hangingPunct="0">
-              <a:defRPr sz="2400">
-                <a:solidFill>
-                  <a:schemeClr val="tx1"/>
-                </a:solidFill>
-                <a:latin typeface="Arial" charset="0"/>
-                <a:ea typeface="ＭＳ Ｐゴシック" charset="0"/>
-              </a:defRPr>
-            </a:lvl2pPr>
-            <a:lvl3pPr marL="1143000" indent="-228600" eaLnBrk="0" hangingPunct="0">
-              <a:defRPr sz="2400">
-                <a:solidFill>
-                  <a:schemeClr val="tx1"/>
-                </a:solidFill>
-                <a:latin typeface="Arial" charset="0"/>
-                <a:ea typeface="ＭＳ Ｐゴシック" charset="0"/>
-              </a:defRPr>
-            </a:lvl3pPr>
-            <a:lvl4pPr marL="1600200" indent="-228600" eaLnBrk="0" hangingPunct="0">
-              <a:defRPr sz="2400">
-                <a:solidFill>
-                  <a:schemeClr val="tx1"/>
-                </a:solidFill>
-                <a:latin typeface="Arial" charset="0"/>
-                <a:ea typeface="ＭＳ Ｐゴシック" charset="0"/>
-              </a:defRPr>
-            </a:lvl4pPr>
-            <a:lvl5pPr marL="2057400" indent="-228600" eaLnBrk="0" hangingPunct="0">
-              <a:defRPr sz="2400">
-                <a:solidFill>
-                  <a:schemeClr val="tx1"/>
-                </a:solidFill>
-                <a:latin typeface="Arial" charset="0"/>
-                <a:ea typeface="ＭＳ Ｐゴシック" charset="0"/>
-              </a:defRPr>
-            </a:lvl5pPr>
-            <a:lvl6pPr marL="2514600" indent="-228600" eaLnBrk="0" fontAlgn="base" hangingPunct="0">
-              <a:spcBef>
-                <a:spcPct val="0"/>
-              </a:spcBef>
-              <a:spcAft>
-                <a:spcPct val="0"/>
-              </a:spcAft>
-              <a:defRPr sz="2400">
-                <a:solidFill>
-                  <a:schemeClr val="tx1"/>
-                </a:solidFill>
-                <a:latin typeface="Arial" charset="0"/>
-                <a:ea typeface="ＭＳ Ｐゴシック" charset="0"/>
-              </a:defRPr>
-            </a:lvl6pPr>
-            <a:lvl7pPr marL="2971800" indent="-228600" eaLnBrk="0" fontAlgn="base" hangingPunct="0">
-              <a:spcBef>
-                <a:spcPct val="0"/>
-              </a:spcBef>
-              <a:spcAft>
-                <a:spcPct val="0"/>
-              </a:spcAft>
-              <a:defRPr sz="2400">
-                <a:solidFill>
-                  <a:schemeClr val="tx1"/>
-                </a:solidFill>
-                <a:latin typeface="Arial" charset="0"/>
-                <a:ea typeface="ＭＳ Ｐゴシック" charset="0"/>
-              </a:defRPr>
-            </a:lvl7pPr>
-            <a:lvl8pPr marL="3429000" indent="-228600" eaLnBrk="0" fontAlgn="base" hangingPunct="0">
-              <a:spcBef>
-                <a:spcPct val="0"/>
-              </a:spcBef>
-              <a:spcAft>
-                <a:spcPct val="0"/>
-              </a:spcAft>
-              <a:defRPr sz="2400">
-                <a:solidFill>
-                  <a:schemeClr val="tx1"/>
-                </a:solidFill>
-                <a:latin typeface="Arial" charset="0"/>
-                <a:ea typeface="ＭＳ Ｐゴシック" charset="0"/>
-              </a:defRPr>
-            </a:lvl8pPr>
-            <a:lvl9pPr marL="3886200" indent="-228600" eaLnBrk="0" fontAlgn="base" hangingPunct="0">
-              <a:spcBef>
-                <a:spcPct val="0"/>
-              </a:spcBef>
-              <a:spcAft>
-                <a:spcPct val="0"/>
-              </a:spcAft>
-              <a:defRPr sz="2400">
-                <a:solidFill>
-                  <a:schemeClr val="tx1"/>
-                </a:solidFill>
-                <a:latin typeface="Arial" charset="0"/>
-                <a:ea typeface="ＭＳ Ｐゴシック" charset="0"/>
-              </a:defRPr>
-            </a:lvl9pPr>
-          </a:lstStyle>
-          <a:p>
-            <a:pPr eaLnBrk="1" hangingPunct="1"/>
-            <a:r>
-              <a:rPr lang="en-US" sz="1600">
-                <a:hlinkClick r:id="rId3"/>
-              </a:rPr>
-              <a:t>http://wwwdev.ebi.ac.uk/fg/hts_mappers/</a:t>
-            </a:r>
-            <a:endParaRPr lang="en-US" sz="1600"/>
-          </a:p>
-        </p:txBody>
-      </p:sp>
-      <p:sp>
-        <p:nvSpPr>
-          <p:cNvPr id="2" name="TextBox 1"/>
-          <p:cNvSpPr txBox="1"/>
-          <p:nvPr/>
-        </p:nvSpPr>
-        <p:spPr>
-          <a:xfrm>
-            <a:off x="7524750" y="3933825"/>
-            <a:ext cx="1108075" cy="1076325"/>
-          </a:xfrm>
-          <a:prstGeom prst="rect">
-            <a:avLst/>
-          </a:prstGeom>
-        </p:spPr>
-        <p:style>
-          <a:lnRef idx="2">
-            <a:schemeClr val="dk1"/>
-          </a:lnRef>
-          <a:fillRef idx="1">
-            <a:schemeClr val="lt1"/>
-          </a:fillRef>
-          <a:effectRef idx="0">
-            <a:schemeClr val="dk1"/>
-          </a:effectRef>
-          <a:fontRef idx="minor">
-            <a:schemeClr val="dk1"/>
-          </a:fontRef>
-        </p:style>
-        <p:txBody>
-          <a:bodyPr wrap="none">
-            <a:spAutoFit/>
-          </a:bodyPr>
-          <a:lstStyle/>
-          <a:p>
-            <a:pPr>
-              <a:defRPr/>
-            </a:pPr>
-            <a:r>
-              <a:rPr lang="en-US" sz="1600" dirty="0">
-                <a:solidFill>
-                  <a:srgbClr val="FF0000"/>
-                </a:solidFill>
-              </a:rPr>
-              <a:t>RNA</a:t>
-            </a:r>
-          </a:p>
-          <a:p>
-            <a:pPr>
-              <a:defRPr/>
-            </a:pPr>
-            <a:r>
-              <a:rPr lang="en-US" sz="1600" dirty="0">
-                <a:solidFill>
-                  <a:srgbClr val="E652DA"/>
-                </a:solidFill>
-              </a:rPr>
-              <a:t>Bisulfite</a:t>
-            </a:r>
-          </a:p>
-          <a:p>
-            <a:pPr>
-              <a:defRPr/>
-            </a:pPr>
-            <a:r>
-              <a:rPr lang="en-US" sz="1600" dirty="0">
-                <a:solidFill>
-                  <a:srgbClr val="0000FF"/>
-                </a:solidFill>
-              </a:rPr>
-              <a:t>DNA</a:t>
-            </a:r>
-          </a:p>
-          <a:p>
-            <a:pPr>
-              <a:defRPr/>
-            </a:pPr>
-            <a:r>
-              <a:rPr lang="en-US" sz="1600" dirty="0">
-                <a:solidFill>
-                  <a:srgbClr val="20FF38"/>
-                </a:solidFill>
-              </a:rPr>
-              <a:t>microRNA</a:t>
-            </a:r>
-          </a:p>
-        </p:txBody>
-      </p:sp>
-    </p:spTree>
-    <p:extLst>
-      <p:ext uri="{BB962C8B-B14F-4D97-AF65-F5344CB8AC3E}">
-        <p14:creationId xmlns:p14="http://schemas.microsoft.com/office/powerpoint/2010/main" val="1511660920"/>
-      </p:ext>
-    </p:extLst>
-  </p:cSld>
-  <p:clrMapOvr>
-    <a:masterClrMapping/>
-  </p:clrMapOvr>
-  <p:timing>
-    <p:tnLst>
-      <p:par>
-        <p:cTn xmlns:p14="http://schemas.microsoft.com/office/powerpoint/2010/main" id="1" dur="indefinite" restart="never" nodeType="tmRoot"/>
-      </p:par>
-    </p:tnLst>
-  </p:timing>
-</p:sld>
-</file>
-
-<file path=ppt/slides/slide11.xml><?xml version="1.0" encoding="utf-8"?>
-<p:sld xmlns:a="http://schemas.openxmlformats.org/drawingml/2006/main" xmlns:r="http://schemas.openxmlformats.org/officeDocument/2006/relationships" xmlns:p="http://schemas.openxmlformats.org/presentationml/2006/main">
-  <p:cSld>
-    <p:spTree>
-      <p:nvGrpSpPr>
-        <p:cNvPr id="1" name=""/>
-        <p:cNvGrpSpPr/>
-        <p:nvPr/>
-      </p:nvGrpSpPr>
-      <p:grpSpPr>
-        <a:xfrm>
-          <a:off x="0" y="0"/>
-          <a:ext cx="0" cy="0"/>
-          <a:chOff x="0" y="0"/>
-          <a:chExt cx="0" cy="0"/>
-        </a:xfrm>
-      </p:grpSpPr>
-      <p:sp>
-        <p:nvSpPr>
           <p:cNvPr id="19457" name="Title 1"/>
           <p:cNvSpPr>
             <a:spLocks noGrp="1"/>
@@ -4930,7 +4580,7 @@
 </p:sld>
 </file>
 
-<file path=ppt/slides/slide12.xml><?xml version="1.0" encoding="utf-8"?>
+<file path=ppt/slides/slide11.xml><?xml version="1.0" encoding="utf-8"?>
 <p:sld xmlns:a="http://schemas.openxmlformats.org/drawingml/2006/main" xmlns:r="http://schemas.openxmlformats.org/officeDocument/2006/relationships" xmlns:p="http://schemas.openxmlformats.org/presentationml/2006/main">
   <p:cSld>
     <p:spTree>
@@ -5301,7 +4951,7 @@
 </p:sld>
 </file>
 
-<file path=ppt/slides/slide13.xml><?xml version="1.0" encoding="utf-8"?>
+<file path=ppt/slides/slide12.xml><?xml version="1.0" encoding="utf-8"?>
 <p:sld xmlns:a="http://schemas.openxmlformats.org/drawingml/2006/main" xmlns:r="http://schemas.openxmlformats.org/officeDocument/2006/relationships" xmlns:p="http://schemas.openxmlformats.org/presentationml/2006/main">
   <p:cSld>
     <p:spTree>
@@ -6877,7 +6527,7 @@
 </p:sld>
 </file>
 
-<file path=ppt/slides/slide14.xml><?xml version="1.0" encoding="utf-8"?>
+<file path=ppt/slides/slide13.xml><?xml version="1.0" encoding="utf-8"?>
 <p:sld xmlns:a="http://schemas.openxmlformats.org/drawingml/2006/main" xmlns:r="http://schemas.openxmlformats.org/officeDocument/2006/relationships" xmlns:p="http://schemas.openxmlformats.org/presentationml/2006/main">
   <p:cSld>
     <p:spTree>
@@ -10299,7 +9949,7 @@
 </p:sld>
 </file>
 
-<file path=ppt/slides/slide15.xml><?xml version="1.0" encoding="utf-8"?>
+<file path=ppt/slides/slide14.xml><?xml version="1.0" encoding="utf-8"?>
 <p:sld xmlns:a="http://schemas.openxmlformats.org/drawingml/2006/main" xmlns:r="http://schemas.openxmlformats.org/officeDocument/2006/relationships" xmlns:p="http://schemas.openxmlformats.org/presentationml/2006/main">
   <p:cSld>
     <p:spTree>
@@ -15112,7 +14762,7 @@
 </p:sld>
 </file>
 
-<file path=ppt/slides/slide16.xml><?xml version="1.0" encoding="utf-8"?>
+<file path=ppt/slides/slide15.xml><?xml version="1.0" encoding="utf-8"?>
 <p:sld xmlns:a="http://schemas.openxmlformats.org/drawingml/2006/main" xmlns:r="http://schemas.openxmlformats.org/officeDocument/2006/relationships" xmlns:p="http://schemas.openxmlformats.org/presentationml/2006/main">
   <p:cSld>
     <p:spTree>
@@ -15263,7 +14913,7 @@
 </p:sld>
 </file>
 
-<file path=ppt/slides/slide17.xml><?xml version="1.0" encoding="utf-8"?>
+<file path=ppt/slides/slide16.xml><?xml version="1.0" encoding="utf-8"?>
 <p:sld xmlns:a="http://schemas.openxmlformats.org/drawingml/2006/main" xmlns:r="http://schemas.openxmlformats.org/officeDocument/2006/relationships" xmlns:p="http://schemas.openxmlformats.org/presentationml/2006/main">
   <p:cSld>
     <p:spTree>
@@ -15468,7 +15118,7 @@
 </p:sld>
 </file>
 
-<file path=ppt/slides/slide18.xml><?xml version="1.0" encoding="utf-8"?>
+<file path=ppt/slides/slide17.xml><?xml version="1.0" encoding="utf-8"?>
 <p:sld xmlns:a="http://schemas.openxmlformats.org/drawingml/2006/main" xmlns:r="http://schemas.openxmlformats.org/officeDocument/2006/relationships" xmlns:p="http://schemas.openxmlformats.org/presentationml/2006/main">
   <p:cSld>
     <p:spTree>
@@ -15941,7 +15591,7 @@
 </p:sld>
 </file>
 
-<file path=ppt/slides/slide19.xml><?xml version="1.0" encoding="utf-8"?>
+<file path=ppt/slides/slide18.xml><?xml version="1.0" encoding="utf-8"?>
 <p:sld xmlns:a="http://schemas.openxmlformats.org/drawingml/2006/main" xmlns:r="http://schemas.openxmlformats.org/officeDocument/2006/relationships" xmlns:p="http://schemas.openxmlformats.org/presentationml/2006/main">
   <p:cSld>
     <p:spTree>
@@ -16224,577 +15874,7 @@
 </p:sld>
 </file>
 
-<file path=ppt/slides/slide2.xml><?xml version="1.0" encoding="utf-8"?>
-<p:sld xmlns:a="http://schemas.openxmlformats.org/drawingml/2006/main" xmlns:r="http://schemas.openxmlformats.org/officeDocument/2006/relationships" xmlns:p="http://schemas.openxmlformats.org/presentationml/2006/main">
-  <p:cSld>
-    <p:spTree>
-      <p:nvGrpSpPr>
-        <p:cNvPr id="1" name=""/>
-        <p:cNvGrpSpPr/>
-        <p:nvPr/>
-      </p:nvGrpSpPr>
-      <p:grpSpPr>
-        <a:xfrm>
-          <a:off x="0" y="0"/>
-          <a:ext cx="0" cy="0"/>
-          <a:chOff x="0" y="0"/>
-          <a:chExt cx="0" cy="0"/>
-        </a:xfrm>
-      </p:grpSpPr>
-      <p:pic>
-        <p:nvPicPr>
-          <p:cNvPr id="2" name="Picture 1" descr="CSHL_Logo.eps"/>
-          <p:cNvPicPr>
-            <a:picLocks noChangeAspect="1"/>
-          </p:cNvPicPr>
-          <p:nvPr/>
-        </p:nvPicPr>
-        <p:blipFill>
-          <a:blip r:embed="rId2">
-            <a:extLst>
-              <a:ext uri="{28A0092B-C50C-407E-A947-70E740481C1C}">
-                <a14:useLocalDpi xmlns:a14="http://schemas.microsoft.com/office/drawing/2010/main" val="0"/>
-              </a:ext>
-            </a:extLst>
-          </a:blip>
-          <a:stretch>
-            <a:fillRect/>
-          </a:stretch>
-        </p:blipFill>
-        <p:spPr>
-          <a:xfrm>
-            <a:off x="1475656" y="5445224"/>
-            <a:ext cx="2594868" cy="994509"/>
-          </a:xfrm>
-          <a:prstGeom prst="rect">
-            <a:avLst/>
-          </a:prstGeom>
-          <a:solidFill>
-            <a:schemeClr val="bg1"/>
-          </a:solidFill>
-        </p:spPr>
-      </p:pic>
-      <p:pic>
-        <p:nvPicPr>
-          <p:cNvPr id="3" name="Picture 2" descr="NYGC_logo.jpeg"/>
-          <p:cNvPicPr>
-            <a:picLocks noChangeAspect="1"/>
-          </p:cNvPicPr>
-          <p:nvPr/>
-        </p:nvPicPr>
-        <p:blipFill>
-          <a:blip r:embed="rId3" cstate="print">
-            <a:extLst>
-              <a:ext uri="{28A0092B-C50C-407E-A947-70E740481C1C}">
-                <a14:useLocalDpi xmlns:a14="http://schemas.microsoft.com/office/drawing/2010/main" val="0"/>
-              </a:ext>
-            </a:extLst>
-          </a:blip>
-          <a:stretch>
-            <a:fillRect/>
-          </a:stretch>
-        </p:blipFill>
-        <p:spPr>
-          <a:xfrm>
-            <a:off x="5364088" y="5013176"/>
-            <a:ext cx="2224796" cy="1483197"/>
-          </a:xfrm>
-          <a:prstGeom prst="rect">
-            <a:avLst/>
-          </a:prstGeom>
-        </p:spPr>
-      </p:pic>
-      <p:sp>
-        <p:nvSpPr>
-          <p:cNvPr id="6" name="Rectangle 2"/>
-          <p:cNvSpPr txBox="1">
-            <a:spLocks noChangeArrowheads="1"/>
-          </p:cNvSpPr>
-          <p:nvPr/>
-        </p:nvSpPr>
-        <p:spPr bwMode="auto">
-          <a:xfrm>
-            <a:off x="650839" y="3277344"/>
-            <a:ext cx="7772400" cy="1447800"/>
-          </a:xfrm>
-          <a:prstGeom prst="rect">
-            <a:avLst/>
-          </a:prstGeom>
-          <a:noFill/>
-          <a:ln>
-            <a:noFill/>
-          </a:ln>
-          <a:extLst>
-            <a:ext uri="{909E8E84-426E-40dd-AFC4-6F175D3DCCD1}">
-              <a14:hiddenFill xmlns:a14="http://schemas.microsoft.com/office/drawing/2010/main">
-                <a:solidFill>
-                  <a:srgbClr val="FFFFFF"/>
-                </a:solidFill>
-              </a14:hiddenFill>
-            </a:ext>
-            <a:ext uri="{91240B29-F687-4f45-9708-019B960494DF}">
-              <a14:hiddenLine xmlns:a14="http://schemas.microsoft.com/office/drawing/2010/main" w="9525">
-                <a:solidFill>
-                  <a:srgbClr val="000000"/>
-                </a:solidFill>
-                <a:miter lim="800000"/>
-                <a:headEnd/>
-                <a:tailEnd/>
-              </a14:hiddenLine>
-            </a:ext>
-            <a:ext uri="{FAA26D3D-D897-4be2-8F04-BA451C77F1D7}">
-              <ma14:placeholderFlag xmlns:ma14="http://schemas.microsoft.com/office/mac/drawingml/2011/main" val="1"/>
-            </a:ext>
-          </a:extLst>
-        </p:spPr>
-        <p:txBody>
-          <a:bodyPr vert="horz" wrap="square" lIns="91440" tIns="45720" rIns="91440" bIns="45720" numCol="1" anchor="ctr" anchorCtr="0" compatLnSpc="1">
-            <a:prstTxWarp prst="textNoShape">
-              <a:avLst/>
-            </a:prstTxWarp>
-          </a:bodyPr>
-          <a:lstStyle>
-            <a:lvl1pPr algn="ctr" rtl="0" eaLnBrk="0" fontAlgn="base" hangingPunct="0">
-              <a:spcBef>
-                <a:spcPct val="0"/>
-              </a:spcBef>
-              <a:spcAft>
-                <a:spcPct val="0"/>
-              </a:spcAft>
-              <a:defRPr sz="4000" b="1" kern="1200">
-                <a:solidFill>
-                  <a:schemeClr val="tx1"/>
-                </a:solidFill>
-                <a:latin typeface="Calibri"/>
-                <a:ea typeface="ＭＳ Ｐゴシック" pitchFamily="-28" charset="-128"/>
-                <a:cs typeface="Calibri"/>
-              </a:defRPr>
-            </a:lvl1pPr>
-            <a:lvl2pPr algn="ctr" rtl="0" eaLnBrk="0" fontAlgn="base" hangingPunct="0">
-              <a:spcBef>
-                <a:spcPct val="0"/>
-              </a:spcBef>
-              <a:spcAft>
-                <a:spcPct val="0"/>
-              </a:spcAft>
-              <a:defRPr sz="4000" b="1">
-                <a:solidFill>
-                  <a:schemeClr val="tx1"/>
-                </a:solidFill>
-                <a:latin typeface="Calibri" charset="0"/>
-                <a:ea typeface="ＭＳ Ｐゴシック" pitchFamily="-28" charset="-128"/>
-                <a:cs typeface="ＭＳ Ｐゴシック" pitchFamily="-28" charset="-128"/>
-              </a:defRPr>
-            </a:lvl2pPr>
-            <a:lvl3pPr algn="ctr" rtl="0" eaLnBrk="0" fontAlgn="base" hangingPunct="0">
-              <a:spcBef>
-                <a:spcPct val="0"/>
-              </a:spcBef>
-              <a:spcAft>
-                <a:spcPct val="0"/>
-              </a:spcAft>
-              <a:defRPr sz="4000" b="1">
-                <a:solidFill>
-                  <a:schemeClr val="tx1"/>
-                </a:solidFill>
-                <a:latin typeface="Calibri" charset="0"/>
-                <a:ea typeface="ＭＳ Ｐゴシック" pitchFamily="-28" charset="-128"/>
-                <a:cs typeface="ＭＳ Ｐゴシック" pitchFamily="-28" charset="-128"/>
-              </a:defRPr>
-            </a:lvl3pPr>
-            <a:lvl4pPr algn="ctr" rtl="0" eaLnBrk="0" fontAlgn="base" hangingPunct="0">
-              <a:spcBef>
-                <a:spcPct val="0"/>
-              </a:spcBef>
-              <a:spcAft>
-                <a:spcPct val="0"/>
-              </a:spcAft>
-              <a:defRPr sz="4000" b="1">
-                <a:solidFill>
-                  <a:schemeClr val="tx1"/>
-                </a:solidFill>
-                <a:latin typeface="Calibri" charset="0"/>
-                <a:ea typeface="ＭＳ Ｐゴシック" pitchFamily="-28" charset="-128"/>
-                <a:cs typeface="ＭＳ Ｐゴシック" pitchFamily="-28" charset="-128"/>
-              </a:defRPr>
-            </a:lvl4pPr>
-            <a:lvl5pPr algn="ctr" rtl="0" eaLnBrk="0" fontAlgn="base" hangingPunct="0">
-              <a:spcBef>
-                <a:spcPct val="0"/>
-              </a:spcBef>
-              <a:spcAft>
-                <a:spcPct val="0"/>
-              </a:spcAft>
-              <a:defRPr sz="4000" b="1">
-                <a:solidFill>
-                  <a:schemeClr val="tx1"/>
-                </a:solidFill>
-                <a:latin typeface="Calibri" charset="0"/>
-                <a:ea typeface="ＭＳ Ｐゴシック" pitchFamily="-28" charset="-128"/>
-                <a:cs typeface="ＭＳ Ｐゴシック" pitchFamily="-28" charset="-128"/>
-              </a:defRPr>
-            </a:lvl5pPr>
-            <a:lvl6pPr marL="457200" algn="ctr" rtl="0" fontAlgn="base">
-              <a:spcBef>
-                <a:spcPct val="0"/>
-              </a:spcBef>
-              <a:spcAft>
-                <a:spcPct val="0"/>
-              </a:spcAft>
-              <a:defRPr sz="4400">
-                <a:solidFill>
-                  <a:schemeClr val="tx1"/>
-                </a:solidFill>
-                <a:latin typeface="Segoe UI" pitchFamily="34" charset="0"/>
-                <a:ea typeface="ＭＳ Ｐゴシック" pitchFamily="-28" charset="-128"/>
-                <a:cs typeface="ＭＳ Ｐゴシック" pitchFamily="-28" charset="-128"/>
-              </a:defRPr>
-            </a:lvl6pPr>
-            <a:lvl7pPr marL="914400" algn="ctr" rtl="0" fontAlgn="base">
-              <a:spcBef>
-                <a:spcPct val="0"/>
-              </a:spcBef>
-              <a:spcAft>
-                <a:spcPct val="0"/>
-              </a:spcAft>
-              <a:defRPr sz="4400">
-                <a:solidFill>
-                  <a:schemeClr val="tx1"/>
-                </a:solidFill>
-                <a:latin typeface="Segoe UI" pitchFamily="34" charset="0"/>
-                <a:ea typeface="ＭＳ Ｐゴシック" pitchFamily="-28" charset="-128"/>
-                <a:cs typeface="ＭＳ Ｐゴシック" pitchFamily="-28" charset="-128"/>
-              </a:defRPr>
-            </a:lvl7pPr>
-            <a:lvl8pPr marL="1371600" algn="ctr" rtl="0" fontAlgn="base">
-              <a:spcBef>
-                <a:spcPct val="0"/>
-              </a:spcBef>
-              <a:spcAft>
-                <a:spcPct val="0"/>
-              </a:spcAft>
-              <a:defRPr sz="4400">
-                <a:solidFill>
-                  <a:schemeClr val="tx1"/>
-                </a:solidFill>
-                <a:latin typeface="Segoe UI" pitchFamily="34" charset="0"/>
-                <a:ea typeface="ＭＳ Ｐゴシック" pitchFamily="-28" charset="-128"/>
-                <a:cs typeface="ＭＳ Ｐゴシック" pitchFamily="-28" charset="-128"/>
-              </a:defRPr>
-            </a:lvl8pPr>
-            <a:lvl9pPr marL="1828800" algn="ctr" rtl="0" fontAlgn="base">
-              <a:spcBef>
-                <a:spcPct val="0"/>
-              </a:spcBef>
-              <a:spcAft>
-                <a:spcPct val="0"/>
-              </a:spcAft>
-              <a:defRPr sz="4400">
-                <a:solidFill>
-                  <a:schemeClr val="tx1"/>
-                </a:solidFill>
-                <a:latin typeface="Segoe UI" pitchFamily="34" charset="0"/>
-                <a:ea typeface="ＭＳ Ｐゴシック" pitchFamily="-28" charset="-128"/>
-                <a:cs typeface="ＭＳ Ｐゴシック" pitchFamily="-28" charset="-128"/>
-              </a:defRPr>
-            </a:lvl9pPr>
-          </a:lstStyle>
-          <a:p>
-            <a:pPr eaLnBrk="1" hangingPunct="1"/>
-            <a:r>
-              <a:rPr lang="en-US" sz="3600" b="0" dirty="0" smtClean="0">
-                <a:solidFill>
-                  <a:srgbClr val="CA0000"/>
-                </a:solidFill>
-                <a:latin typeface="Calibri" charset="0"/>
-                <a:ea typeface="ＭＳ Ｐゴシック" charset="0"/>
-                <a:cs typeface="ＭＳ Ｐゴシック" charset="0"/>
-              </a:rPr>
-              <a:t>Cold Spring Harbor Laboratory</a:t>
-            </a:r>
-          </a:p>
-          <a:p>
-            <a:pPr eaLnBrk="1" hangingPunct="1"/>
-            <a:r>
-              <a:rPr lang="en-US" sz="2800" b="0" dirty="0">
-                <a:solidFill>
-                  <a:srgbClr val="000000"/>
-                </a:solidFill>
-                <a:latin typeface="Calibri" charset="0"/>
-                <a:ea typeface="ＭＳ Ｐゴシック" charset="0"/>
-                <a:cs typeface="ＭＳ Ｐゴシック" charset="0"/>
-              </a:rPr>
-              <a:t>&amp;</a:t>
-            </a:r>
-            <a:endParaRPr lang="en-US" sz="2800" b="0" dirty="0" smtClean="0">
-              <a:solidFill>
-                <a:srgbClr val="000000"/>
-              </a:solidFill>
-              <a:latin typeface="Calibri" charset="0"/>
-              <a:ea typeface="ＭＳ Ｐゴシック" charset="0"/>
-              <a:cs typeface="ＭＳ Ｐゴシック" charset="0"/>
-            </a:endParaRPr>
-          </a:p>
-          <a:p>
-            <a:pPr eaLnBrk="1" hangingPunct="1"/>
-            <a:r>
-              <a:rPr lang="en-US" sz="3600" b="0" dirty="0" smtClean="0">
-                <a:solidFill>
-                  <a:srgbClr val="CA0000"/>
-                </a:solidFill>
-                <a:latin typeface="Calibri" charset="0"/>
-                <a:ea typeface="ＭＳ Ｐゴシック" charset="0"/>
-                <a:cs typeface="ＭＳ Ｐゴシック" charset="0"/>
-              </a:rPr>
-              <a:t> New York Genome Center</a:t>
-            </a:r>
-            <a:endParaRPr lang="en-US" sz="3600" b="0" dirty="0">
-              <a:solidFill>
-                <a:srgbClr val="CA0000"/>
-              </a:solidFill>
-              <a:latin typeface="Calibri" charset="0"/>
-              <a:ea typeface="ＭＳ Ｐゴシック" charset="0"/>
-              <a:cs typeface="ＭＳ Ｐゴシック" charset="0"/>
-            </a:endParaRPr>
-          </a:p>
-        </p:txBody>
-      </p:sp>
-      <p:sp>
-        <p:nvSpPr>
-          <p:cNvPr id="7" name="Rectangle 3"/>
-          <p:cNvSpPr txBox="1">
-            <a:spLocks noChangeArrowheads="1"/>
-          </p:cNvSpPr>
-          <p:nvPr/>
-        </p:nvSpPr>
-        <p:spPr bwMode="auto">
-          <a:xfrm>
-            <a:off x="1141802" y="2780928"/>
-            <a:ext cx="6778625" cy="648072"/>
-          </a:xfrm>
-          <a:prstGeom prst="rect">
-            <a:avLst/>
-          </a:prstGeom>
-          <a:noFill/>
-          <a:ln>
-            <a:noFill/>
-          </a:ln>
-          <a:extLst>
-            <a:ext uri="{909E8E84-426E-40dd-AFC4-6F175D3DCCD1}">
-              <a14:hiddenFill xmlns:a14="http://schemas.microsoft.com/office/drawing/2010/main">
-                <a:solidFill>
-                  <a:srgbClr val="FFFFFF"/>
-                </a:solidFill>
-              </a14:hiddenFill>
-            </a:ext>
-            <a:ext uri="{91240B29-F687-4f45-9708-019B960494DF}">
-              <a14:hiddenLine xmlns:a14="http://schemas.microsoft.com/office/drawing/2010/main" w="9525">
-                <a:solidFill>
-                  <a:srgbClr val="000000"/>
-                </a:solidFill>
-                <a:miter lim="800000"/>
-                <a:headEnd/>
-                <a:tailEnd/>
-              </a14:hiddenLine>
-            </a:ext>
-            <a:ext uri="{FAA26D3D-D897-4be2-8F04-BA451C77F1D7}">
-              <ma14:placeholderFlag xmlns:ma14="http://schemas.microsoft.com/office/mac/drawingml/2011/main" val="1"/>
-            </a:ext>
-          </a:extLst>
-        </p:spPr>
-        <p:txBody>
-          <a:bodyPr vert="horz" wrap="square" lIns="91440" tIns="45720" rIns="91440" bIns="45720" numCol="1" anchor="t" anchorCtr="0" compatLnSpc="1">
-            <a:prstTxWarp prst="textNoShape">
-              <a:avLst/>
-            </a:prstTxWarp>
-          </a:bodyPr>
-          <a:lstStyle>
-            <a:lvl1pPr marL="342900" indent="-342900" algn="l" rtl="0" eaLnBrk="0" fontAlgn="base" hangingPunct="0">
-              <a:spcBef>
-                <a:spcPct val="20000"/>
-              </a:spcBef>
-              <a:spcAft>
-                <a:spcPct val="0"/>
-              </a:spcAft>
-              <a:buFont typeface="Arial" charset="0"/>
-              <a:buChar char="•"/>
-              <a:defRPr sz="2800" kern="1200">
-                <a:solidFill>
-                  <a:schemeClr val="tx1"/>
-                </a:solidFill>
-                <a:latin typeface="Calibri"/>
-                <a:ea typeface="ＭＳ Ｐゴシック" pitchFamily="-28" charset="-128"/>
-                <a:cs typeface="Calibri"/>
-              </a:defRPr>
-            </a:lvl1pPr>
-            <a:lvl2pPr marL="742950" indent="-285750" algn="l" rtl="0" eaLnBrk="0" fontAlgn="base" hangingPunct="0">
-              <a:spcBef>
-                <a:spcPct val="20000"/>
-              </a:spcBef>
-              <a:spcAft>
-                <a:spcPct val="0"/>
-              </a:spcAft>
-              <a:buFont typeface="Arial" charset="0"/>
-              <a:buChar char="–"/>
-              <a:defRPr sz="2400" kern="1200">
-                <a:solidFill>
-                  <a:schemeClr val="tx1"/>
-                </a:solidFill>
-                <a:latin typeface="Calibri"/>
-                <a:ea typeface="ＭＳ Ｐゴシック" pitchFamily="-28" charset="-128"/>
-                <a:cs typeface="Calibri"/>
-              </a:defRPr>
-            </a:lvl2pPr>
-            <a:lvl3pPr marL="1143000" indent="-228600" algn="l" rtl="0" eaLnBrk="0" fontAlgn="base" hangingPunct="0">
-              <a:spcBef>
-                <a:spcPct val="20000"/>
-              </a:spcBef>
-              <a:spcAft>
-                <a:spcPct val="0"/>
-              </a:spcAft>
-              <a:buFont typeface="Arial" charset="0"/>
-              <a:buChar char="•"/>
-              <a:defRPr sz="2000" kern="1200">
-                <a:solidFill>
-                  <a:schemeClr val="tx1"/>
-                </a:solidFill>
-                <a:latin typeface="Calibri"/>
-                <a:ea typeface="ＭＳ Ｐゴシック" pitchFamily="-28" charset="-128"/>
-                <a:cs typeface="Calibri"/>
-              </a:defRPr>
-            </a:lvl3pPr>
-            <a:lvl4pPr marL="1600200" indent="-228600" algn="l" rtl="0" eaLnBrk="0" fontAlgn="base" hangingPunct="0">
-              <a:spcBef>
-                <a:spcPct val="20000"/>
-              </a:spcBef>
-              <a:spcAft>
-                <a:spcPct val="0"/>
-              </a:spcAft>
-              <a:buFont typeface="Arial" charset="0"/>
-              <a:buChar char="–"/>
-              <a:defRPr kern="1200">
-                <a:solidFill>
-                  <a:schemeClr val="tx1"/>
-                </a:solidFill>
-                <a:latin typeface="Calibri"/>
-                <a:ea typeface="ＭＳ Ｐゴシック" pitchFamily="-28" charset="-128"/>
-                <a:cs typeface="Calibri"/>
-              </a:defRPr>
-            </a:lvl4pPr>
-            <a:lvl5pPr marL="2057400" indent="-228600" algn="l" rtl="0" eaLnBrk="0" fontAlgn="base" hangingPunct="0">
-              <a:spcBef>
-                <a:spcPct val="20000"/>
-              </a:spcBef>
-              <a:spcAft>
-                <a:spcPct val="0"/>
-              </a:spcAft>
-              <a:buFont typeface="Arial" charset="0"/>
-              <a:buChar char="»"/>
-              <a:defRPr kern="1200">
-                <a:solidFill>
-                  <a:schemeClr val="tx1"/>
-                </a:solidFill>
-                <a:latin typeface="Calibri"/>
-                <a:ea typeface="ＭＳ Ｐゴシック" pitchFamily="-28" charset="-128"/>
-                <a:cs typeface="Calibri"/>
-              </a:defRPr>
-            </a:lvl5pPr>
-            <a:lvl6pPr marL="2514600" indent="-228600" algn="l" defTabSz="914400" rtl="0" eaLnBrk="1" latinLnBrk="0" hangingPunct="1">
-              <a:spcBef>
-                <a:spcPct val="20000"/>
-              </a:spcBef>
-              <a:buFont typeface="Arial" pitchFamily="34" charset="0"/>
-              <a:buChar char="•"/>
-              <a:defRPr sz="2000" kern="1200">
-                <a:solidFill>
-                  <a:schemeClr val="tx1"/>
-                </a:solidFill>
-                <a:latin typeface="+mn-lt"/>
-                <a:ea typeface="+mn-ea"/>
-                <a:cs typeface="+mn-cs"/>
-              </a:defRPr>
-            </a:lvl6pPr>
-            <a:lvl7pPr marL="2971800" indent="-228600" algn="l" defTabSz="914400" rtl="0" eaLnBrk="1" latinLnBrk="0" hangingPunct="1">
-              <a:spcBef>
-                <a:spcPct val="20000"/>
-              </a:spcBef>
-              <a:buFont typeface="Arial" pitchFamily="34" charset="0"/>
-              <a:buChar char="•"/>
-              <a:defRPr sz="2000" kern="1200">
-                <a:solidFill>
-                  <a:schemeClr val="tx1"/>
-                </a:solidFill>
-                <a:latin typeface="+mn-lt"/>
-                <a:ea typeface="+mn-ea"/>
-                <a:cs typeface="+mn-cs"/>
-              </a:defRPr>
-            </a:lvl7pPr>
-            <a:lvl8pPr marL="3429000" indent="-228600" algn="l" defTabSz="914400" rtl="0" eaLnBrk="1" latinLnBrk="0" hangingPunct="1">
-              <a:spcBef>
-                <a:spcPct val="20000"/>
-              </a:spcBef>
-              <a:buFont typeface="Arial" pitchFamily="34" charset="0"/>
-              <a:buChar char="•"/>
-              <a:defRPr sz="2000" kern="1200">
-                <a:solidFill>
-                  <a:schemeClr val="tx1"/>
-                </a:solidFill>
-                <a:latin typeface="+mn-lt"/>
-                <a:ea typeface="+mn-ea"/>
-                <a:cs typeface="+mn-cs"/>
-              </a:defRPr>
-            </a:lvl8pPr>
-            <a:lvl9pPr marL="3886200" indent="-228600" algn="l" defTabSz="914400" rtl="0" eaLnBrk="1" latinLnBrk="0" hangingPunct="1">
-              <a:spcBef>
-                <a:spcPct val="20000"/>
-              </a:spcBef>
-              <a:buFont typeface="Arial" pitchFamily="34" charset="0"/>
-              <a:buChar char="•"/>
-              <a:defRPr sz="2000" kern="1200">
-                <a:solidFill>
-                  <a:schemeClr val="tx1"/>
-                </a:solidFill>
-                <a:latin typeface="+mn-lt"/>
-                <a:ea typeface="+mn-ea"/>
-                <a:cs typeface="+mn-cs"/>
-              </a:defRPr>
-            </a:lvl9pPr>
-          </a:lstStyle>
-          <a:p>
-            <a:pPr marL="0" indent="0" algn="ctr" eaLnBrk="1" hangingPunct="1">
-              <a:buFont typeface="Arial" charset="0"/>
-              <a:buNone/>
-            </a:pPr>
-            <a:r>
-              <a:rPr lang="en-US" dirty="0" smtClean="0">
-                <a:latin typeface="Calibri" charset="0"/>
-                <a:ea typeface="ＭＳ Ｐゴシック" charset="0"/>
-                <a:cs typeface="ＭＳ Ｐゴシック" charset="0"/>
-              </a:rPr>
-              <a:t>In collaboration with</a:t>
-            </a:r>
-            <a:endParaRPr lang="en-US" dirty="0">
-              <a:latin typeface="Calibri" charset="0"/>
-              <a:ea typeface="ＭＳ Ｐゴシック" charset="0"/>
-              <a:cs typeface="ＭＳ Ｐゴシック" charset="0"/>
-            </a:endParaRPr>
-          </a:p>
-        </p:txBody>
-      </p:sp>
-    </p:spTree>
-    <p:extLst>
-      <p:ext uri="{BB962C8B-B14F-4D97-AF65-F5344CB8AC3E}">
-        <p14:creationId xmlns:p14="http://schemas.microsoft.com/office/powerpoint/2010/main" val="139381770"/>
-      </p:ext>
-    </p:extLst>
-  </p:cSld>
-  <p:clrMapOvr>
-    <a:masterClrMapping/>
-  </p:clrMapOvr>
-</p:sld>
-</file>
-
-<file path=ppt/slides/slide20.xml><?xml version="1.0" encoding="utf-8"?>
+<file path=ppt/slides/slide19.xml><?xml version="1.0" encoding="utf-8"?>
 <p:sld xmlns:a="http://schemas.openxmlformats.org/drawingml/2006/main" xmlns:r="http://schemas.openxmlformats.org/officeDocument/2006/relationships" xmlns:p="http://schemas.openxmlformats.org/presentationml/2006/main">
   <p:cSld>
     <p:spTree>
@@ -17045,7 +16125,582 @@
 </p:sld>
 </file>
 
-<file path=ppt/slides/slide21.xml><?xml version="1.0" encoding="utf-8"?>
+<file path=ppt/slides/slide2.xml><?xml version="1.0" encoding="utf-8"?>
+<p:sld xmlns:a="http://schemas.openxmlformats.org/drawingml/2006/main" xmlns:r="http://schemas.openxmlformats.org/officeDocument/2006/relationships" xmlns:p="http://schemas.openxmlformats.org/presentationml/2006/main">
+  <p:cSld>
+    <p:spTree>
+      <p:nvGrpSpPr>
+        <p:cNvPr id="1" name=""/>
+        <p:cNvGrpSpPr/>
+        <p:nvPr/>
+      </p:nvGrpSpPr>
+      <p:grpSpPr>
+        <a:xfrm>
+          <a:off x="0" y="0"/>
+          <a:ext cx="0" cy="0"/>
+          <a:chOff x="0" y="0"/>
+          <a:chExt cx="0" cy="0"/>
+        </a:xfrm>
+      </p:grpSpPr>
+      <p:sp>
+        <p:nvSpPr>
+          <p:cNvPr id="10241" name="Slide Number Placeholder 1"/>
+          <p:cNvSpPr txBox="1">
+            <a:spLocks noGrp="1"/>
+          </p:cNvSpPr>
+          <p:nvPr/>
+        </p:nvSpPr>
+        <p:spPr bwMode="auto">
+          <a:xfrm>
+            <a:off x="6553200" y="6248400"/>
+            <a:ext cx="1905000" cy="457200"/>
+          </a:xfrm>
+          <a:prstGeom prst="rect">
+            <a:avLst/>
+          </a:prstGeom>
+          <a:noFill/>
+          <a:ln>
+            <a:noFill/>
+          </a:ln>
+          <a:extLst>
+            <a:ext uri="{909E8E84-426E-40dd-AFC4-6F175D3DCCD1}">
+              <a14:hiddenFill xmlns:a14="http://schemas.microsoft.com/office/drawing/2010/main">
+                <a:solidFill>
+                  <a:srgbClr val="FFFFFF"/>
+                </a:solidFill>
+              </a14:hiddenFill>
+            </a:ext>
+            <a:ext uri="{91240B29-F687-4f45-9708-019B960494DF}">
+              <a14:hiddenLine xmlns:a14="http://schemas.microsoft.com/office/drawing/2010/main" w="9525">
+                <a:solidFill>
+                  <a:srgbClr val="000000"/>
+                </a:solidFill>
+                <a:miter lim="800000"/>
+                <a:headEnd/>
+                <a:tailEnd/>
+              </a14:hiddenLine>
+            </a:ext>
+          </a:extLst>
+        </p:spPr>
+        <p:txBody>
+          <a:bodyPr/>
+          <a:lstStyle>
+            <a:lvl1pPr eaLnBrk="0" hangingPunct="0">
+              <a:defRPr sz="2400">
+                <a:solidFill>
+                  <a:schemeClr val="tx1"/>
+                </a:solidFill>
+                <a:latin typeface="Arial" charset="0"/>
+                <a:ea typeface="ＭＳ Ｐゴシック" charset="0"/>
+                <a:cs typeface="ＭＳ Ｐゴシック" charset="0"/>
+              </a:defRPr>
+            </a:lvl1pPr>
+            <a:lvl2pPr marL="742950" indent="-285750" eaLnBrk="0" hangingPunct="0">
+              <a:defRPr sz="2400">
+                <a:solidFill>
+                  <a:schemeClr val="tx1"/>
+                </a:solidFill>
+                <a:latin typeface="Arial" charset="0"/>
+                <a:ea typeface="ＭＳ Ｐゴシック" charset="0"/>
+              </a:defRPr>
+            </a:lvl2pPr>
+            <a:lvl3pPr marL="1143000" indent="-228600" eaLnBrk="0" hangingPunct="0">
+              <a:defRPr sz="2400">
+                <a:solidFill>
+                  <a:schemeClr val="tx1"/>
+                </a:solidFill>
+                <a:latin typeface="Arial" charset="0"/>
+                <a:ea typeface="ＭＳ Ｐゴシック" charset="0"/>
+              </a:defRPr>
+            </a:lvl3pPr>
+            <a:lvl4pPr marL="1600200" indent="-228600" eaLnBrk="0" hangingPunct="0">
+              <a:defRPr sz="2400">
+                <a:solidFill>
+                  <a:schemeClr val="tx1"/>
+                </a:solidFill>
+                <a:latin typeface="Arial" charset="0"/>
+                <a:ea typeface="ＭＳ Ｐゴシック" charset="0"/>
+              </a:defRPr>
+            </a:lvl4pPr>
+            <a:lvl5pPr marL="2057400" indent="-228600" eaLnBrk="0" hangingPunct="0">
+              <a:defRPr sz="2400">
+                <a:solidFill>
+                  <a:schemeClr val="tx1"/>
+                </a:solidFill>
+                <a:latin typeface="Arial" charset="0"/>
+                <a:ea typeface="ＭＳ Ｐゴシック" charset="0"/>
+              </a:defRPr>
+            </a:lvl5pPr>
+            <a:lvl6pPr marL="2514600" indent="-228600" eaLnBrk="0" fontAlgn="base" hangingPunct="0">
+              <a:spcBef>
+                <a:spcPct val="0"/>
+              </a:spcBef>
+              <a:spcAft>
+                <a:spcPct val="0"/>
+              </a:spcAft>
+              <a:defRPr sz="2400">
+                <a:solidFill>
+                  <a:schemeClr val="tx1"/>
+                </a:solidFill>
+                <a:latin typeface="Arial" charset="0"/>
+                <a:ea typeface="ＭＳ Ｐゴシック" charset="0"/>
+              </a:defRPr>
+            </a:lvl6pPr>
+            <a:lvl7pPr marL="2971800" indent="-228600" eaLnBrk="0" fontAlgn="base" hangingPunct="0">
+              <a:spcBef>
+                <a:spcPct val="0"/>
+              </a:spcBef>
+              <a:spcAft>
+                <a:spcPct val="0"/>
+              </a:spcAft>
+              <a:defRPr sz="2400">
+                <a:solidFill>
+                  <a:schemeClr val="tx1"/>
+                </a:solidFill>
+                <a:latin typeface="Arial" charset="0"/>
+                <a:ea typeface="ＭＳ Ｐゴシック" charset="0"/>
+              </a:defRPr>
+            </a:lvl7pPr>
+            <a:lvl8pPr marL="3429000" indent="-228600" eaLnBrk="0" fontAlgn="base" hangingPunct="0">
+              <a:spcBef>
+                <a:spcPct val="0"/>
+              </a:spcBef>
+              <a:spcAft>
+                <a:spcPct val="0"/>
+              </a:spcAft>
+              <a:defRPr sz="2400">
+                <a:solidFill>
+                  <a:schemeClr val="tx1"/>
+                </a:solidFill>
+                <a:latin typeface="Arial" charset="0"/>
+                <a:ea typeface="ＭＳ Ｐゴシック" charset="0"/>
+              </a:defRPr>
+            </a:lvl8pPr>
+            <a:lvl9pPr marL="3886200" indent="-228600" eaLnBrk="0" fontAlgn="base" hangingPunct="0">
+              <a:spcBef>
+                <a:spcPct val="0"/>
+              </a:spcBef>
+              <a:spcAft>
+                <a:spcPct val="0"/>
+              </a:spcAft>
+              <a:defRPr sz="2400">
+                <a:solidFill>
+                  <a:schemeClr val="tx1"/>
+                </a:solidFill>
+                <a:latin typeface="Arial" charset="0"/>
+                <a:ea typeface="ＭＳ Ｐゴシック" charset="0"/>
+              </a:defRPr>
+            </a:lvl9pPr>
+          </a:lstStyle>
+          <a:p>
+            <a:pPr algn="r"/>
+            <a:fld id="{06D23BA9-5070-0648-A3DA-E6039966856F}" type="slidenum">
+              <a:rPr lang="en-US" sz="1200"/>
+              <a:pPr algn="r"/>
+              <a:t>2</a:t>
+            </a:fld>
+            <a:endParaRPr lang="en-US" sz="1200"/>
+          </a:p>
+        </p:txBody>
+      </p:sp>
+      <p:sp>
+        <p:nvSpPr>
+          <p:cNvPr id="10242" name="Date Placeholder 2"/>
+          <p:cNvSpPr txBox="1">
+            <a:spLocks noGrp="1"/>
+          </p:cNvSpPr>
+          <p:nvPr/>
+        </p:nvSpPr>
+        <p:spPr bwMode="auto">
+          <a:xfrm>
+            <a:off x="762000" y="6248400"/>
+            <a:ext cx="2057400" cy="457200"/>
+          </a:xfrm>
+          <a:prstGeom prst="rect">
+            <a:avLst/>
+          </a:prstGeom>
+          <a:noFill/>
+          <a:ln>
+            <a:noFill/>
+          </a:ln>
+          <a:extLst>
+            <a:ext uri="{909E8E84-426E-40dd-AFC4-6F175D3DCCD1}">
+              <a14:hiddenFill xmlns:a14="http://schemas.microsoft.com/office/drawing/2010/main">
+                <a:solidFill>
+                  <a:srgbClr val="FFFFFF"/>
+                </a:solidFill>
+              </a14:hiddenFill>
+            </a:ext>
+            <a:ext uri="{91240B29-F687-4f45-9708-019B960494DF}">
+              <a14:hiddenLine xmlns:a14="http://schemas.microsoft.com/office/drawing/2010/main" w="9525">
+                <a:solidFill>
+                  <a:srgbClr val="000000"/>
+                </a:solidFill>
+                <a:miter lim="800000"/>
+                <a:headEnd/>
+                <a:tailEnd/>
+              </a14:hiddenLine>
+            </a:ext>
+          </a:extLst>
+        </p:spPr>
+        <p:txBody>
+          <a:bodyPr/>
+          <a:lstStyle>
+            <a:lvl1pPr eaLnBrk="0" hangingPunct="0">
+              <a:defRPr sz="2400">
+                <a:solidFill>
+                  <a:schemeClr val="tx1"/>
+                </a:solidFill>
+                <a:latin typeface="Arial" charset="0"/>
+                <a:ea typeface="ＭＳ Ｐゴシック" charset="0"/>
+                <a:cs typeface="ＭＳ Ｐゴシック" charset="0"/>
+              </a:defRPr>
+            </a:lvl1pPr>
+            <a:lvl2pPr marL="742950" indent="-285750" eaLnBrk="0" hangingPunct="0">
+              <a:defRPr sz="2400">
+                <a:solidFill>
+                  <a:schemeClr val="tx1"/>
+                </a:solidFill>
+                <a:latin typeface="Arial" charset="0"/>
+                <a:ea typeface="ＭＳ Ｐゴシック" charset="0"/>
+              </a:defRPr>
+            </a:lvl2pPr>
+            <a:lvl3pPr marL="1143000" indent="-228600" eaLnBrk="0" hangingPunct="0">
+              <a:defRPr sz="2400">
+                <a:solidFill>
+                  <a:schemeClr val="tx1"/>
+                </a:solidFill>
+                <a:latin typeface="Arial" charset="0"/>
+                <a:ea typeface="ＭＳ Ｐゴシック" charset="0"/>
+              </a:defRPr>
+            </a:lvl3pPr>
+            <a:lvl4pPr marL="1600200" indent="-228600" eaLnBrk="0" hangingPunct="0">
+              <a:defRPr sz="2400">
+                <a:solidFill>
+                  <a:schemeClr val="tx1"/>
+                </a:solidFill>
+                <a:latin typeface="Arial" charset="0"/>
+                <a:ea typeface="ＭＳ Ｐゴシック" charset="0"/>
+              </a:defRPr>
+            </a:lvl4pPr>
+            <a:lvl5pPr marL="2057400" indent="-228600" eaLnBrk="0" hangingPunct="0">
+              <a:defRPr sz="2400">
+                <a:solidFill>
+                  <a:schemeClr val="tx1"/>
+                </a:solidFill>
+                <a:latin typeface="Arial" charset="0"/>
+                <a:ea typeface="ＭＳ Ｐゴシック" charset="0"/>
+              </a:defRPr>
+            </a:lvl5pPr>
+            <a:lvl6pPr marL="2514600" indent="-228600" eaLnBrk="0" fontAlgn="base" hangingPunct="0">
+              <a:spcBef>
+                <a:spcPct val="0"/>
+              </a:spcBef>
+              <a:spcAft>
+                <a:spcPct val="0"/>
+              </a:spcAft>
+              <a:defRPr sz="2400">
+                <a:solidFill>
+                  <a:schemeClr val="tx1"/>
+                </a:solidFill>
+                <a:latin typeface="Arial" charset="0"/>
+                <a:ea typeface="ＭＳ Ｐゴシック" charset="0"/>
+              </a:defRPr>
+            </a:lvl6pPr>
+            <a:lvl7pPr marL="2971800" indent="-228600" eaLnBrk="0" fontAlgn="base" hangingPunct="0">
+              <a:spcBef>
+                <a:spcPct val="0"/>
+              </a:spcBef>
+              <a:spcAft>
+                <a:spcPct val="0"/>
+              </a:spcAft>
+              <a:defRPr sz="2400">
+                <a:solidFill>
+                  <a:schemeClr val="tx1"/>
+                </a:solidFill>
+                <a:latin typeface="Arial" charset="0"/>
+                <a:ea typeface="ＭＳ Ｐゴシック" charset="0"/>
+              </a:defRPr>
+            </a:lvl7pPr>
+            <a:lvl8pPr marL="3429000" indent="-228600" eaLnBrk="0" fontAlgn="base" hangingPunct="0">
+              <a:spcBef>
+                <a:spcPct val="0"/>
+              </a:spcBef>
+              <a:spcAft>
+                <a:spcPct val="0"/>
+              </a:spcAft>
+              <a:defRPr sz="2400">
+                <a:solidFill>
+                  <a:schemeClr val="tx1"/>
+                </a:solidFill>
+                <a:latin typeface="Arial" charset="0"/>
+                <a:ea typeface="ＭＳ Ｐゴシック" charset="0"/>
+              </a:defRPr>
+            </a:lvl8pPr>
+            <a:lvl9pPr marL="3886200" indent="-228600" eaLnBrk="0" fontAlgn="base" hangingPunct="0">
+              <a:spcBef>
+                <a:spcPct val="0"/>
+              </a:spcBef>
+              <a:spcAft>
+                <a:spcPct val="0"/>
+              </a:spcAft>
+              <a:defRPr sz="2400">
+                <a:solidFill>
+                  <a:schemeClr val="tx1"/>
+                </a:solidFill>
+                <a:latin typeface="Arial" charset="0"/>
+                <a:ea typeface="ＭＳ Ｐゴシック" charset="0"/>
+              </a:defRPr>
+            </a:lvl9pPr>
+          </a:lstStyle>
+          <a:p>
+            <a:r>
+              <a:rPr lang="en-US" sz="1200"/>
+              <a:t>Module #: Title of Module</a:t>
+            </a:r>
+          </a:p>
+        </p:txBody>
+      </p:sp>
+      <p:sp>
+        <p:nvSpPr>
+          <p:cNvPr id="10243" name="Rectangle 5"/>
+          <p:cNvSpPr>
+            <a:spLocks noChangeArrowheads="1"/>
+          </p:cNvSpPr>
+          <p:nvPr/>
+        </p:nvSpPr>
+        <p:spPr bwMode="auto">
+          <a:xfrm>
+            <a:off x="0" y="0"/>
+            <a:ext cx="9144000" cy="6858000"/>
+          </a:xfrm>
+          <a:prstGeom prst="rect">
+            <a:avLst/>
+          </a:prstGeom>
+          <a:solidFill>
+            <a:schemeClr val="tx1"/>
+          </a:solidFill>
+          <a:ln w="9525">
+            <a:solidFill>
+              <a:schemeClr val="tx1"/>
+            </a:solidFill>
+            <a:round/>
+            <a:headEnd/>
+            <a:tailEnd/>
+          </a:ln>
+        </p:spPr>
+        <p:txBody>
+          <a:bodyPr/>
+          <a:lstStyle/>
+          <a:p>
+            <a:pPr eaLnBrk="0" hangingPunct="0"/>
+            <a:endParaRPr lang="en-US"/>
+          </a:p>
+        </p:txBody>
+      </p:sp>
+      <p:pic>
+        <p:nvPicPr>
+          <p:cNvPr id="10244" name="Content Placeholder 9" descr="Picture 1.png"/>
+          <p:cNvPicPr>
+            <a:picLocks noGrp="1" noChangeAspect="1"/>
+          </p:cNvPicPr>
+          <p:nvPr>
+            <p:ph idx="4294967295"/>
+          </p:nvPr>
+        </p:nvPicPr>
+        <p:blipFill>
+          <a:blip r:embed="rId2">
+            <a:extLst>
+              <a:ext uri="{28A0092B-C50C-407E-A947-70E740481C1C}">
+                <a14:useLocalDpi xmlns:a14="http://schemas.microsoft.com/office/drawing/2010/main" val="0"/>
+              </a:ext>
+            </a:extLst>
+          </a:blip>
+          <a:srcRect/>
+          <a:stretch>
+            <a:fillRect/>
+          </a:stretch>
+        </p:blipFill>
+        <p:spPr>
+          <a:xfrm>
+            <a:off x="914400" y="73025"/>
+            <a:ext cx="6858000" cy="6734175"/>
+          </a:xfrm>
+        </p:spPr>
+      </p:pic>
+      <p:sp>
+        <p:nvSpPr>
+          <p:cNvPr id="10245" name="Slide Number Placeholder 3"/>
+          <p:cNvSpPr txBox="1">
+            <a:spLocks noGrp="1"/>
+          </p:cNvSpPr>
+          <p:nvPr/>
+        </p:nvSpPr>
+        <p:spPr bwMode="auto">
+          <a:xfrm>
+            <a:off x="6553200" y="6248400"/>
+            <a:ext cx="1905000" cy="457200"/>
+          </a:xfrm>
+          <a:prstGeom prst="rect">
+            <a:avLst/>
+          </a:prstGeom>
+          <a:noFill/>
+          <a:ln>
+            <a:noFill/>
+          </a:ln>
+          <a:extLst>
+            <a:ext uri="{909E8E84-426E-40dd-AFC4-6F175D3DCCD1}">
+              <a14:hiddenFill xmlns:a14="http://schemas.microsoft.com/office/drawing/2010/main">
+                <a:solidFill>
+                  <a:srgbClr val="FFFFFF"/>
+                </a:solidFill>
+              </a14:hiddenFill>
+            </a:ext>
+            <a:ext uri="{91240B29-F687-4f45-9708-019B960494DF}">
+              <a14:hiddenLine xmlns:a14="http://schemas.microsoft.com/office/drawing/2010/main" w="9525">
+                <a:solidFill>
+                  <a:srgbClr val="000000"/>
+                </a:solidFill>
+                <a:miter lim="800000"/>
+                <a:headEnd/>
+                <a:tailEnd/>
+              </a14:hiddenLine>
+            </a:ext>
+          </a:extLst>
+        </p:spPr>
+        <p:txBody>
+          <a:bodyPr/>
+          <a:lstStyle>
+            <a:lvl1pPr eaLnBrk="0" hangingPunct="0">
+              <a:defRPr sz="2400">
+                <a:solidFill>
+                  <a:schemeClr val="tx1"/>
+                </a:solidFill>
+                <a:latin typeface="Arial" charset="0"/>
+                <a:ea typeface="ＭＳ Ｐゴシック" charset="0"/>
+                <a:cs typeface="ＭＳ Ｐゴシック" charset="0"/>
+              </a:defRPr>
+            </a:lvl1pPr>
+            <a:lvl2pPr marL="742950" indent="-285750" eaLnBrk="0" hangingPunct="0">
+              <a:defRPr sz="2400">
+                <a:solidFill>
+                  <a:schemeClr val="tx1"/>
+                </a:solidFill>
+                <a:latin typeface="Arial" charset="0"/>
+                <a:ea typeface="ＭＳ Ｐゴシック" charset="0"/>
+              </a:defRPr>
+            </a:lvl2pPr>
+            <a:lvl3pPr marL="1143000" indent="-228600" eaLnBrk="0" hangingPunct="0">
+              <a:defRPr sz="2400">
+                <a:solidFill>
+                  <a:schemeClr val="tx1"/>
+                </a:solidFill>
+                <a:latin typeface="Arial" charset="0"/>
+                <a:ea typeface="ＭＳ Ｐゴシック" charset="0"/>
+              </a:defRPr>
+            </a:lvl3pPr>
+            <a:lvl4pPr marL="1600200" indent="-228600" eaLnBrk="0" hangingPunct="0">
+              <a:defRPr sz="2400">
+                <a:solidFill>
+                  <a:schemeClr val="tx1"/>
+                </a:solidFill>
+                <a:latin typeface="Arial" charset="0"/>
+                <a:ea typeface="ＭＳ Ｐゴシック" charset="0"/>
+              </a:defRPr>
+            </a:lvl4pPr>
+            <a:lvl5pPr marL="2057400" indent="-228600" eaLnBrk="0" hangingPunct="0">
+              <a:defRPr sz="2400">
+                <a:solidFill>
+                  <a:schemeClr val="tx1"/>
+                </a:solidFill>
+                <a:latin typeface="Arial" charset="0"/>
+                <a:ea typeface="ＭＳ Ｐゴシック" charset="0"/>
+              </a:defRPr>
+            </a:lvl5pPr>
+            <a:lvl6pPr marL="2514600" indent="-228600" eaLnBrk="0" fontAlgn="base" hangingPunct="0">
+              <a:spcBef>
+                <a:spcPct val="0"/>
+              </a:spcBef>
+              <a:spcAft>
+                <a:spcPct val="0"/>
+              </a:spcAft>
+              <a:defRPr sz="2400">
+                <a:solidFill>
+                  <a:schemeClr val="tx1"/>
+                </a:solidFill>
+                <a:latin typeface="Arial" charset="0"/>
+                <a:ea typeface="ＭＳ Ｐゴシック" charset="0"/>
+              </a:defRPr>
+            </a:lvl6pPr>
+            <a:lvl7pPr marL="2971800" indent="-228600" eaLnBrk="0" fontAlgn="base" hangingPunct="0">
+              <a:spcBef>
+                <a:spcPct val="0"/>
+              </a:spcBef>
+              <a:spcAft>
+                <a:spcPct val="0"/>
+              </a:spcAft>
+              <a:defRPr sz="2400">
+                <a:solidFill>
+                  <a:schemeClr val="tx1"/>
+                </a:solidFill>
+                <a:latin typeface="Arial" charset="0"/>
+                <a:ea typeface="ＭＳ Ｐゴシック" charset="0"/>
+              </a:defRPr>
+            </a:lvl7pPr>
+            <a:lvl8pPr marL="3429000" indent="-228600" eaLnBrk="0" fontAlgn="base" hangingPunct="0">
+              <a:spcBef>
+                <a:spcPct val="0"/>
+              </a:spcBef>
+              <a:spcAft>
+                <a:spcPct val="0"/>
+              </a:spcAft>
+              <a:defRPr sz="2400">
+                <a:solidFill>
+                  <a:schemeClr val="tx1"/>
+                </a:solidFill>
+                <a:latin typeface="Arial" charset="0"/>
+                <a:ea typeface="ＭＳ Ｐゴシック" charset="0"/>
+              </a:defRPr>
+            </a:lvl8pPr>
+            <a:lvl9pPr marL="3886200" indent="-228600" eaLnBrk="0" fontAlgn="base" hangingPunct="0">
+              <a:spcBef>
+                <a:spcPct val="0"/>
+              </a:spcBef>
+              <a:spcAft>
+                <a:spcPct val="0"/>
+              </a:spcAft>
+              <a:defRPr sz="2400">
+                <a:solidFill>
+                  <a:schemeClr val="tx1"/>
+                </a:solidFill>
+                <a:latin typeface="Arial" charset="0"/>
+                <a:ea typeface="ＭＳ Ｐゴシック" charset="0"/>
+              </a:defRPr>
+            </a:lvl9pPr>
+          </a:lstStyle>
+          <a:p>
+            <a:pPr algn="r"/>
+            <a:endParaRPr lang="en-US" sz="1200"/>
+          </a:p>
+        </p:txBody>
+      </p:sp>
+    </p:spTree>
+  </p:cSld>
+  <p:clrMapOvr>
+    <a:masterClrMapping/>
+  </p:clrMapOvr>
+  <p:transition xmlns:p14="http://schemas.microsoft.com/office/powerpoint/2010/main"/>
+  <p:timing>
+    <p:tnLst>
+      <p:par>
+        <p:cTn xmlns:p14="http://schemas.microsoft.com/office/powerpoint/2010/main" id="1" dur="indefinite" restart="never" nodeType="tmRoot"/>
+      </p:par>
+    </p:tnLst>
+  </p:timing>
+</p:sld>
+</file>
+
+<file path=ppt/slides/slide20.xml><?xml version="1.0" encoding="utf-8"?>
 <p:sld xmlns:a="http://schemas.openxmlformats.org/drawingml/2006/main" xmlns:r="http://schemas.openxmlformats.org/officeDocument/2006/relationships" xmlns:p="http://schemas.openxmlformats.org/presentationml/2006/main">
   <p:cSld>
     <p:spTree>
@@ -17480,7 +17135,7 @@
 </p:sld>
 </file>
 
-<file path=ppt/slides/slide22.xml><?xml version="1.0" encoding="utf-8"?>
+<file path=ppt/slides/slide21.xml><?xml version="1.0" encoding="utf-8"?>
 <p:sld xmlns:a="http://schemas.openxmlformats.org/drawingml/2006/main" xmlns:r="http://schemas.openxmlformats.org/officeDocument/2006/relationships" xmlns:p="http://schemas.openxmlformats.org/presentationml/2006/main">
   <p:cSld>
     <p:spTree>
@@ -17848,7 +17503,7 @@
 </p:sld>
 </file>
 
-<file path=ppt/slides/slide23.xml><?xml version="1.0" encoding="utf-8"?>
+<file path=ppt/slides/slide22.xml><?xml version="1.0" encoding="utf-8"?>
 <p:sld xmlns:a="http://schemas.openxmlformats.org/drawingml/2006/main" xmlns:r="http://schemas.openxmlformats.org/officeDocument/2006/relationships" xmlns:p="http://schemas.openxmlformats.org/presentationml/2006/main">
   <p:cSld>
     <p:spTree>
@@ -18068,7 +17723,7 @@
 </p:sld>
 </file>
 
-<file path=ppt/slides/slide24.xml><?xml version="1.0" encoding="utf-8"?>
+<file path=ppt/slides/slide23.xml><?xml version="1.0" encoding="utf-8"?>
 <p:sld xmlns:a="http://schemas.openxmlformats.org/drawingml/2006/main" xmlns:r="http://schemas.openxmlformats.org/officeDocument/2006/relationships" xmlns:p="http://schemas.openxmlformats.org/presentationml/2006/main">
   <p:cSld>
     <p:spTree>
@@ -18284,7 +17939,7 @@
 </p:sld>
 </file>
 
-<file path=ppt/slides/slide25.xml><?xml version="1.0" encoding="utf-8"?>
+<file path=ppt/slides/slide24.xml><?xml version="1.0" encoding="utf-8"?>
 <p:sld xmlns:a="http://schemas.openxmlformats.org/drawingml/2006/main" xmlns:r="http://schemas.openxmlformats.org/officeDocument/2006/relationships" xmlns:p="http://schemas.openxmlformats.org/presentationml/2006/main">
   <p:cSld>
     <p:spTree>
@@ -18449,7 +18104,7 @@
 </p:sld>
 </file>
 
-<file path=ppt/slides/slide26.xml><?xml version="1.0" encoding="utf-8"?>
+<file path=ppt/slides/slide25.xml><?xml version="1.0" encoding="utf-8"?>
 <p:sld xmlns:a="http://schemas.openxmlformats.org/drawingml/2006/main" xmlns:r="http://schemas.openxmlformats.org/officeDocument/2006/relationships" xmlns:p="http://schemas.openxmlformats.org/presentationml/2006/main">
   <p:cSld>
     <p:spTree>
@@ -18619,7 +18274,7 @@
 </p:sld>
 </file>
 
-<file path=ppt/slides/slide27.xml><?xml version="1.0" encoding="utf-8"?>
+<file path=ppt/slides/slide26.xml><?xml version="1.0" encoding="utf-8"?>
 <p:sld xmlns:a="http://schemas.openxmlformats.org/drawingml/2006/main" xmlns:r="http://schemas.openxmlformats.org/officeDocument/2006/relationships" xmlns:p="http://schemas.openxmlformats.org/presentationml/2006/main">
   <p:cSld>
     <p:spTree>
@@ -21083,7 +20738,7 @@
 </p:sld>
 </file>
 
-<file path=ppt/slides/slide28.xml><?xml version="1.0" encoding="utf-8"?>
+<file path=ppt/slides/slide27.xml><?xml version="1.0" encoding="utf-8"?>
 <p:sld xmlns:a="http://schemas.openxmlformats.org/drawingml/2006/main" xmlns:r="http://schemas.openxmlformats.org/officeDocument/2006/relationships" xmlns:p="http://schemas.openxmlformats.org/presentationml/2006/main">
   <p:cSld>
     <p:spTree>
@@ -21228,7 +20883,7 @@
 </p:sld>
 </file>
 
-<file path=ppt/slides/slide29.xml><?xml version="1.0" encoding="utf-8"?>
+<file path=ppt/slides/slide28.xml><?xml version="1.0" encoding="utf-8"?>
 <p:sld xmlns:a="http://schemas.openxmlformats.org/drawingml/2006/main" xmlns:r="http://schemas.openxmlformats.org/officeDocument/2006/relationships" xmlns:p="http://schemas.openxmlformats.org/presentationml/2006/main">
   <p:cSld>
     <p:spTree>
@@ -21344,582 +20999,7 @@
 </p:sld>
 </file>
 
-<file path=ppt/slides/slide3.xml><?xml version="1.0" encoding="utf-8"?>
-<p:sld xmlns:a="http://schemas.openxmlformats.org/drawingml/2006/main" xmlns:r="http://schemas.openxmlformats.org/officeDocument/2006/relationships" xmlns:p="http://schemas.openxmlformats.org/presentationml/2006/main">
-  <p:cSld>
-    <p:spTree>
-      <p:nvGrpSpPr>
-        <p:cNvPr id="1" name=""/>
-        <p:cNvGrpSpPr/>
-        <p:nvPr/>
-      </p:nvGrpSpPr>
-      <p:grpSpPr>
-        <a:xfrm>
-          <a:off x="0" y="0"/>
-          <a:ext cx="0" cy="0"/>
-          <a:chOff x="0" y="0"/>
-          <a:chExt cx="0" cy="0"/>
-        </a:xfrm>
-      </p:grpSpPr>
-      <p:sp>
-        <p:nvSpPr>
-          <p:cNvPr id="10241" name="Slide Number Placeholder 1"/>
-          <p:cNvSpPr txBox="1">
-            <a:spLocks noGrp="1"/>
-          </p:cNvSpPr>
-          <p:nvPr/>
-        </p:nvSpPr>
-        <p:spPr bwMode="auto">
-          <a:xfrm>
-            <a:off x="6553200" y="6248400"/>
-            <a:ext cx="1905000" cy="457200"/>
-          </a:xfrm>
-          <a:prstGeom prst="rect">
-            <a:avLst/>
-          </a:prstGeom>
-          <a:noFill/>
-          <a:ln>
-            <a:noFill/>
-          </a:ln>
-          <a:extLst>
-            <a:ext uri="{909E8E84-426E-40dd-AFC4-6F175D3DCCD1}">
-              <a14:hiddenFill xmlns:a14="http://schemas.microsoft.com/office/drawing/2010/main">
-                <a:solidFill>
-                  <a:srgbClr val="FFFFFF"/>
-                </a:solidFill>
-              </a14:hiddenFill>
-            </a:ext>
-            <a:ext uri="{91240B29-F687-4f45-9708-019B960494DF}">
-              <a14:hiddenLine xmlns:a14="http://schemas.microsoft.com/office/drawing/2010/main" w="9525">
-                <a:solidFill>
-                  <a:srgbClr val="000000"/>
-                </a:solidFill>
-                <a:miter lim="800000"/>
-                <a:headEnd/>
-                <a:tailEnd/>
-              </a14:hiddenLine>
-            </a:ext>
-          </a:extLst>
-        </p:spPr>
-        <p:txBody>
-          <a:bodyPr/>
-          <a:lstStyle>
-            <a:lvl1pPr eaLnBrk="0" hangingPunct="0">
-              <a:defRPr sz="2400">
-                <a:solidFill>
-                  <a:schemeClr val="tx1"/>
-                </a:solidFill>
-                <a:latin typeface="Arial" charset="0"/>
-                <a:ea typeface="ＭＳ Ｐゴシック" charset="0"/>
-                <a:cs typeface="ＭＳ Ｐゴシック" charset="0"/>
-              </a:defRPr>
-            </a:lvl1pPr>
-            <a:lvl2pPr marL="742950" indent="-285750" eaLnBrk="0" hangingPunct="0">
-              <a:defRPr sz="2400">
-                <a:solidFill>
-                  <a:schemeClr val="tx1"/>
-                </a:solidFill>
-                <a:latin typeface="Arial" charset="0"/>
-                <a:ea typeface="ＭＳ Ｐゴシック" charset="0"/>
-              </a:defRPr>
-            </a:lvl2pPr>
-            <a:lvl3pPr marL="1143000" indent="-228600" eaLnBrk="0" hangingPunct="0">
-              <a:defRPr sz="2400">
-                <a:solidFill>
-                  <a:schemeClr val="tx1"/>
-                </a:solidFill>
-                <a:latin typeface="Arial" charset="0"/>
-                <a:ea typeface="ＭＳ Ｐゴシック" charset="0"/>
-              </a:defRPr>
-            </a:lvl3pPr>
-            <a:lvl4pPr marL="1600200" indent="-228600" eaLnBrk="0" hangingPunct="0">
-              <a:defRPr sz="2400">
-                <a:solidFill>
-                  <a:schemeClr val="tx1"/>
-                </a:solidFill>
-                <a:latin typeface="Arial" charset="0"/>
-                <a:ea typeface="ＭＳ Ｐゴシック" charset="0"/>
-              </a:defRPr>
-            </a:lvl4pPr>
-            <a:lvl5pPr marL="2057400" indent="-228600" eaLnBrk="0" hangingPunct="0">
-              <a:defRPr sz="2400">
-                <a:solidFill>
-                  <a:schemeClr val="tx1"/>
-                </a:solidFill>
-                <a:latin typeface="Arial" charset="0"/>
-                <a:ea typeface="ＭＳ Ｐゴシック" charset="0"/>
-              </a:defRPr>
-            </a:lvl5pPr>
-            <a:lvl6pPr marL="2514600" indent="-228600" eaLnBrk="0" fontAlgn="base" hangingPunct="0">
-              <a:spcBef>
-                <a:spcPct val="0"/>
-              </a:spcBef>
-              <a:spcAft>
-                <a:spcPct val="0"/>
-              </a:spcAft>
-              <a:defRPr sz="2400">
-                <a:solidFill>
-                  <a:schemeClr val="tx1"/>
-                </a:solidFill>
-                <a:latin typeface="Arial" charset="0"/>
-                <a:ea typeface="ＭＳ Ｐゴシック" charset="0"/>
-              </a:defRPr>
-            </a:lvl6pPr>
-            <a:lvl7pPr marL="2971800" indent="-228600" eaLnBrk="0" fontAlgn="base" hangingPunct="0">
-              <a:spcBef>
-                <a:spcPct val="0"/>
-              </a:spcBef>
-              <a:spcAft>
-                <a:spcPct val="0"/>
-              </a:spcAft>
-              <a:defRPr sz="2400">
-                <a:solidFill>
-                  <a:schemeClr val="tx1"/>
-                </a:solidFill>
-                <a:latin typeface="Arial" charset="0"/>
-                <a:ea typeface="ＭＳ Ｐゴシック" charset="0"/>
-              </a:defRPr>
-            </a:lvl7pPr>
-            <a:lvl8pPr marL="3429000" indent="-228600" eaLnBrk="0" fontAlgn="base" hangingPunct="0">
-              <a:spcBef>
-                <a:spcPct val="0"/>
-              </a:spcBef>
-              <a:spcAft>
-                <a:spcPct val="0"/>
-              </a:spcAft>
-              <a:defRPr sz="2400">
-                <a:solidFill>
-                  <a:schemeClr val="tx1"/>
-                </a:solidFill>
-                <a:latin typeface="Arial" charset="0"/>
-                <a:ea typeface="ＭＳ Ｐゴシック" charset="0"/>
-              </a:defRPr>
-            </a:lvl8pPr>
-            <a:lvl9pPr marL="3886200" indent="-228600" eaLnBrk="0" fontAlgn="base" hangingPunct="0">
-              <a:spcBef>
-                <a:spcPct val="0"/>
-              </a:spcBef>
-              <a:spcAft>
-                <a:spcPct val="0"/>
-              </a:spcAft>
-              <a:defRPr sz="2400">
-                <a:solidFill>
-                  <a:schemeClr val="tx1"/>
-                </a:solidFill>
-                <a:latin typeface="Arial" charset="0"/>
-                <a:ea typeface="ＭＳ Ｐゴシック" charset="0"/>
-              </a:defRPr>
-            </a:lvl9pPr>
-          </a:lstStyle>
-          <a:p>
-            <a:pPr algn="r"/>
-            <a:fld id="{06D23BA9-5070-0648-A3DA-E6039966856F}" type="slidenum">
-              <a:rPr lang="en-US" sz="1200"/>
-              <a:pPr algn="r"/>
-              <a:t>3</a:t>
-            </a:fld>
-            <a:endParaRPr lang="en-US" sz="1200"/>
-          </a:p>
-        </p:txBody>
-      </p:sp>
-      <p:sp>
-        <p:nvSpPr>
-          <p:cNvPr id="10242" name="Date Placeholder 2"/>
-          <p:cNvSpPr txBox="1">
-            <a:spLocks noGrp="1"/>
-          </p:cNvSpPr>
-          <p:nvPr/>
-        </p:nvSpPr>
-        <p:spPr bwMode="auto">
-          <a:xfrm>
-            <a:off x="762000" y="6248400"/>
-            <a:ext cx="2057400" cy="457200"/>
-          </a:xfrm>
-          <a:prstGeom prst="rect">
-            <a:avLst/>
-          </a:prstGeom>
-          <a:noFill/>
-          <a:ln>
-            <a:noFill/>
-          </a:ln>
-          <a:extLst>
-            <a:ext uri="{909E8E84-426E-40dd-AFC4-6F175D3DCCD1}">
-              <a14:hiddenFill xmlns:a14="http://schemas.microsoft.com/office/drawing/2010/main">
-                <a:solidFill>
-                  <a:srgbClr val="FFFFFF"/>
-                </a:solidFill>
-              </a14:hiddenFill>
-            </a:ext>
-            <a:ext uri="{91240B29-F687-4f45-9708-019B960494DF}">
-              <a14:hiddenLine xmlns:a14="http://schemas.microsoft.com/office/drawing/2010/main" w="9525">
-                <a:solidFill>
-                  <a:srgbClr val="000000"/>
-                </a:solidFill>
-                <a:miter lim="800000"/>
-                <a:headEnd/>
-                <a:tailEnd/>
-              </a14:hiddenLine>
-            </a:ext>
-          </a:extLst>
-        </p:spPr>
-        <p:txBody>
-          <a:bodyPr/>
-          <a:lstStyle>
-            <a:lvl1pPr eaLnBrk="0" hangingPunct="0">
-              <a:defRPr sz="2400">
-                <a:solidFill>
-                  <a:schemeClr val="tx1"/>
-                </a:solidFill>
-                <a:latin typeface="Arial" charset="0"/>
-                <a:ea typeface="ＭＳ Ｐゴシック" charset="0"/>
-                <a:cs typeface="ＭＳ Ｐゴシック" charset="0"/>
-              </a:defRPr>
-            </a:lvl1pPr>
-            <a:lvl2pPr marL="742950" indent="-285750" eaLnBrk="0" hangingPunct="0">
-              <a:defRPr sz="2400">
-                <a:solidFill>
-                  <a:schemeClr val="tx1"/>
-                </a:solidFill>
-                <a:latin typeface="Arial" charset="0"/>
-                <a:ea typeface="ＭＳ Ｐゴシック" charset="0"/>
-              </a:defRPr>
-            </a:lvl2pPr>
-            <a:lvl3pPr marL="1143000" indent="-228600" eaLnBrk="0" hangingPunct="0">
-              <a:defRPr sz="2400">
-                <a:solidFill>
-                  <a:schemeClr val="tx1"/>
-                </a:solidFill>
-                <a:latin typeface="Arial" charset="0"/>
-                <a:ea typeface="ＭＳ Ｐゴシック" charset="0"/>
-              </a:defRPr>
-            </a:lvl3pPr>
-            <a:lvl4pPr marL="1600200" indent="-228600" eaLnBrk="0" hangingPunct="0">
-              <a:defRPr sz="2400">
-                <a:solidFill>
-                  <a:schemeClr val="tx1"/>
-                </a:solidFill>
-                <a:latin typeface="Arial" charset="0"/>
-                <a:ea typeface="ＭＳ Ｐゴシック" charset="0"/>
-              </a:defRPr>
-            </a:lvl4pPr>
-            <a:lvl5pPr marL="2057400" indent="-228600" eaLnBrk="0" hangingPunct="0">
-              <a:defRPr sz="2400">
-                <a:solidFill>
-                  <a:schemeClr val="tx1"/>
-                </a:solidFill>
-                <a:latin typeface="Arial" charset="0"/>
-                <a:ea typeface="ＭＳ Ｐゴシック" charset="0"/>
-              </a:defRPr>
-            </a:lvl5pPr>
-            <a:lvl6pPr marL="2514600" indent="-228600" eaLnBrk="0" fontAlgn="base" hangingPunct="0">
-              <a:spcBef>
-                <a:spcPct val="0"/>
-              </a:spcBef>
-              <a:spcAft>
-                <a:spcPct val="0"/>
-              </a:spcAft>
-              <a:defRPr sz="2400">
-                <a:solidFill>
-                  <a:schemeClr val="tx1"/>
-                </a:solidFill>
-                <a:latin typeface="Arial" charset="0"/>
-                <a:ea typeface="ＭＳ Ｐゴシック" charset="0"/>
-              </a:defRPr>
-            </a:lvl6pPr>
-            <a:lvl7pPr marL="2971800" indent="-228600" eaLnBrk="0" fontAlgn="base" hangingPunct="0">
-              <a:spcBef>
-                <a:spcPct val="0"/>
-              </a:spcBef>
-              <a:spcAft>
-                <a:spcPct val="0"/>
-              </a:spcAft>
-              <a:defRPr sz="2400">
-                <a:solidFill>
-                  <a:schemeClr val="tx1"/>
-                </a:solidFill>
-                <a:latin typeface="Arial" charset="0"/>
-                <a:ea typeface="ＭＳ Ｐゴシック" charset="0"/>
-              </a:defRPr>
-            </a:lvl7pPr>
-            <a:lvl8pPr marL="3429000" indent="-228600" eaLnBrk="0" fontAlgn="base" hangingPunct="0">
-              <a:spcBef>
-                <a:spcPct val="0"/>
-              </a:spcBef>
-              <a:spcAft>
-                <a:spcPct val="0"/>
-              </a:spcAft>
-              <a:defRPr sz="2400">
-                <a:solidFill>
-                  <a:schemeClr val="tx1"/>
-                </a:solidFill>
-                <a:latin typeface="Arial" charset="0"/>
-                <a:ea typeface="ＭＳ Ｐゴシック" charset="0"/>
-              </a:defRPr>
-            </a:lvl8pPr>
-            <a:lvl9pPr marL="3886200" indent="-228600" eaLnBrk="0" fontAlgn="base" hangingPunct="0">
-              <a:spcBef>
-                <a:spcPct val="0"/>
-              </a:spcBef>
-              <a:spcAft>
-                <a:spcPct val="0"/>
-              </a:spcAft>
-              <a:defRPr sz="2400">
-                <a:solidFill>
-                  <a:schemeClr val="tx1"/>
-                </a:solidFill>
-                <a:latin typeface="Arial" charset="0"/>
-                <a:ea typeface="ＭＳ Ｐゴシック" charset="0"/>
-              </a:defRPr>
-            </a:lvl9pPr>
-          </a:lstStyle>
-          <a:p>
-            <a:r>
-              <a:rPr lang="en-US" sz="1200"/>
-              <a:t>Module #: Title of Module</a:t>
-            </a:r>
-          </a:p>
-        </p:txBody>
-      </p:sp>
-      <p:sp>
-        <p:nvSpPr>
-          <p:cNvPr id="10243" name="Rectangle 5"/>
-          <p:cNvSpPr>
-            <a:spLocks noChangeArrowheads="1"/>
-          </p:cNvSpPr>
-          <p:nvPr/>
-        </p:nvSpPr>
-        <p:spPr bwMode="auto">
-          <a:xfrm>
-            <a:off x="0" y="0"/>
-            <a:ext cx="9144000" cy="6858000"/>
-          </a:xfrm>
-          <a:prstGeom prst="rect">
-            <a:avLst/>
-          </a:prstGeom>
-          <a:solidFill>
-            <a:schemeClr val="tx1"/>
-          </a:solidFill>
-          <a:ln w="9525">
-            <a:solidFill>
-              <a:schemeClr val="tx1"/>
-            </a:solidFill>
-            <a:round/>
-            <a:headEnd/>
-            <a:tailEnd/>
-          </a:ln>
-        </p:spPr>
-        <p:txBody>
-          <a:bodyPr/>
-          <a:lstStyle/>
-          <a:p>
-            <a:pPr eaLnBrk="0" hangingPunct="0"/>
-            <a:endParaRPr lang="en-US"/>
-          </a:p>
-        </p:txBody>
-      </p:sp>
-      <p:pic>
-        <p:nvPicPr>
-          <p:cNvPr id="10244" name="Content Placeholder 9" descr="Picture 1.png"/>
-          <p:cNvPicPr>
-            <a:picLocks noGrp="1" noChangeAspect="1"/>
-          </p:cNvPicPr>
-          <p:nvPr>
-            <p:ph idx="4294967295"/>
-          </p:nvPr>
-        </p:nvPicPr>
-        <p:blipFill>
-          <a:blip r:embed="rId2">
-            <a:extLst>
-              <a:ext uri="{28A0092B-C50C-407E-A947-70E740481C1C}">
-                <a14:useLocalDpi xmlns:a14="http://schemas.microsoft.com/office/drawing/2010/main" val="0"/>
-              </a:ext>
-            </a:extLst>
-          </a:blip>
-          <a:srcRect/>
-          <a:stretch>
-            <a:fillRect/>
-          </a:stretch>
-        </p:blipFill>
-        <p:spPr>
-          <a:xfrm>
-            <a:off x="914400" y="73025"/>
-            <a:ext cx="6858000" cy="6734175"/>
-          </a:xfrm>
-        </p:spPr>
-      </p:pic>
-      <p:sp>
-        <p:nvSpPr>
-          <p:cNvPr id="10245" name="Slide Number Placeholder 3"/>
-          <p:cNvSpPr txBox="1">
-            <a:spLocks noGrp="1"/>
-          </p:cNvSpPr>
-          <p:nvPr/>
-        </p:nvSpPr>
-        <p:spPr bwMode="auto">
-          <a:xfrm>
-            <a:off x="6553200" y="6248400"/>
-            <a:ext cx="1905000" cy="457200"/>
-          </a:xfrm>
-          <a:prstGeom prst="rect">
-            <a:avLst/>
-          </a:prstGeom>
-          <a:noFill/>
-          <a:ln>
-            <a:noFill/>
-          </a:ln>
-          <a:extLst>
-            <a:ext uri="{909E8E84-426E-40dd-AFC4-6F175D3DCCD1}">
-              <a14:hiddenFill xmlns:a14="http://schemas.microsoft.com/office/drawing/2010/main">
-                <a:solidFill>
-                  <a:srgbClr val="FFFFFF"/>
-                </a:solidFill>
-              </a14:hiddenFill>
-            </a:ext>
-            <a:ext uri="{91240B29-F687-4f45-9708-019B960494DF}">
-              <a14:hiddenLine xmlns:a14="http://schemas.microsoft.com/office/drawing/2010/main" w="9525">
-                <a:solidFill>
-                  <a:srgbClr val="000000"/>
-                </a:solidFill>
-                <a:miter lim="800000"/>
-                <a:headEnd/>
-                <a:tailEnd/>
-              </a14:hiddenLine>
-            </a:ext>
-          </a:extLst>
-        </p:spPr>
-        <p:txBody>
-          <a:bodyPr/>
-          <a:lstStyle>
-            <a:lvl1pPr eaLnBrk="0" hangingPunct="0">
-              <a:defRPr sz="2400">
-                <a:solidFill>
-                  <a:schemeClr val="tx1"/>
-                </a:solidFill>
-                <a:latin typeface="Arial" charset="0"/>
-                <a:ea typeface="ＭＳ Ｐゴシック" charset="0"/>
-                <a:cs typeface="ＭＳ Ｐゴシック" charset="0"/>
-              </a:defRPr>
-            </a:lvl1pPr>
-            <a:lvl2pPr marL="742950" indent="-285750" eaLnBrk="0" hangingPunct="0">
-              <a:defRPr sz="2400">
-                <a:solidFill>
-                  <a:schemeClr val="tx1"/>
-                </a:solidFill>
-                <a:latin typeface="Arial" charset="0"/>
-                <a:ea typeface="ＭＳ Ｐゴシック" charset="0"/>
-              </a:defRPr>
-            </a:lvl2pPr>
-            <a:lvl3pPr marL="1143000" indent="-228600" eaLnBrk="0" hangingPunct="0">
-              <a:defRPr sz="2400">
-                <a:solidFill>
-                  <a:schemeClr val="tx1"/>
-                </a:solidFill>
-                <a:latin typeface="Arial" charset="0"/>
-                <a:ea typeface="ＭＳ Ｐゴシック" charset="0"/>
-              </a:defRPr>
-            </a:lvl3pPr>
-            <a:lvl4pPr marL="1600200" indent="-228600" eaLnBrk="0" hangingPunct="0">
-              <a:defRPr sz="2400">
-                <a:solidFill>
-                  <a:schemeClr val="tx1"/>
-                </a:solidFill>
-                <a:latin typeface="Arial" charset="0"/>
-                <a:ea typeface="ＭＳ Ｐゴシック" charset="0"/>
-              </a:defRPr>
-            </a:lvl4pPr>
-            <a:lvl5pPr marL="2057400" indent="-228600" eaLnBrk="0" hangingPunct="0">
-              <a:defRPr sz="2400">
-                <a:solidFill>
-                  <a:schemeClr val="tx1"/>
-                </a:solidFill>
-                <a:latin typeface="Arial" charset="0"/>
-                <a:ea typeface="ＭＳ Ｐゴシック" charset="0"/>
-              </a:defRPr>
-            </a:lvl5pPr>
-            <a:lvl6pPr marL="2514600" indent="-228600" eaLnBrk="0" fontAlgn="base" hangingPunct="0">
-              <a:spcBef>
-                <a:spcPct val="0"/>
-              </a:spcBef>
-              <a:spcAft>
-                <a:spcPct val="0"/>
-              </a:spcAft>
-              <a:defRPr sz="2400">
-                <a:solidFill>
-                  <a:schemeClr val="tx1"/>
-                </a:solidFill>
-                <a:latin typeface="Arial" charset="0"/>
-                <a:ea typeface="ＭＳ Ｐゴシック" charset="0"/>
-              </a:defRPr>
-            </a:lvl6pPr>
-            <a:lvl7pPr marL="2971800" indent="-228600" eaLnBrk="0" fontAlgn="base" hangingPunct="0">
-              <a:spcBef>
-                <a:spcPct val="0"/>
-              </a:spcBef>
-              <a:spcAft>
-                <a:spcPct val="0"/>
-              </a:spcAft>
-              <a:defRPr sz="2400">
-                <a:solidFill>
-                  <a:schemeClr val="tx1"/>
-                </a:solidFill>
-                <a:latin typeface="Arial" charset="0"/>
-                <a:ea typeface="ＭＳ Ｐゴシック" charset="0"/>
-              </a:defRPr>
-            </a:lvl7pPr>
-            <a:lvl8pPr marL="3429000" indent="-228600" eaLnBrk="0" fontAlgn="base" hangingPunct="0">
-              <a:spcBef>
-                <a:spcPct val="0"/>
-              </a:spcBef>
-              <a:spcAft>
-                <a:spcPct val="0"/>
-              </a:spcAft>
-              <a:defRPr sz="2400">
-                <a:solidFill>
-                  <a:schemeClr val="tx1"/>
-                </a:solidFill>
-                <a:latin typeface="Arial" charset="0"/>
-                <a:ea typeface="ＭＳ Ｐゴシック" charset="0"/>
-              </a:defRPr>
-            </a:lvl8pPr>
-            <a:lvl9pPr marL="3886200" indent="-228600" eaLnBrk="0" fontAlgn="base" hangingPunct="0">
-              <a:spcBef>
-                <a:spcPct val="0"/>
-              </a:spcBef>
-              <a:spcAft>
-                <a:spcPct val="0"/>
-              </a:spcAft>
-              <a:defRPr sz="2400">
-                <a:solidFill>
-                  <a:schemeClr val="tx1"/>
-                </a:solidFill>
-                <a:latin typeface="Arial" charset="0"/>
-                <a:ea typeface="ＭＳ Ｐゴシック" charset="0"/>
-              </a:defRPr>
-            </a:lvl9pPr>
-          </a:lstStyle>
-          <a:p>
-            <a:pPr algn="r"/>
-            <a:endParaRPr lang="en-US" sz="1200"/>
-          </a:p>
-        </p:txBody>
-      </p:sp>
-    </p:spTree>
-  </p:cSld>
-  <p:clrMapOvr>
-    <a:masterClrMapping/>
-  </p:clrMapOvr>
-  <p:transition xmlns:p14="http://schemas.microsoft.com/office/powerpoint/2010/main"/>
-  <p:timing>
-    <p:tnLst>
-      <p:par>
-        <p:cTn xmlns:p14="http://schemas.microsoft.com/office/powerpoint/2010/main" id="1" dur="indefinite" restart="never" nodeType="tmRoot"/>
-      </p:par>
-    </p:tnLst>
-  </p:timing>
-</p:sld>
-</file>
-
-<file path=ppt/slides/slide30.xml><?xml version="1.0" encoding="utf-8"?>
+<file path=ppt/slides/slide29.xml><?xml version="1.0" encoding="utf-8"?>
 <p:sld xmlns:a="http://schemas.openxmlformats.org/drawingml/2006/main" xmlns:r="http://schemas.openxmlformats.org/officeDocument/2006/relationships" xmlns:p="http://schemas.openxmlformats.org/presentationml/2006/main">
   <p:cSld>
     <p:spTree>
@@ -22457,7 +21537,561 @@
 </p:sld>
 </file>
 
-<file path=ppt/slides/slide31.xml><?xml version="1.0" encoding="utf-8"?>
+<file path=ppt/slides/slide3.xml><?xml version="1.0" encoding="utf-8"?>
+<p:sld xmlns:a="http://schemas.openxmlformats.org/drawingml/2006/main" xmlns:r="http://schemas.openxmlformats.org/officeDocument/2006/relationships" xmlns:p="http://schemas.openxmlformats.org/presentationml/2006/main">
+  <p:cSld>
+    <p:spTree>
+      <p:nvGrpSpPr>
+        <p:cNvPr id="1" name=""/>
+        <p:cNvGrpSpPr/>
+        <p:nvPr/>
+      </p:nvGrpSpPr>
+      <p:grpSpPr>
+        <a:xfrm>
+          <a:off x="0" y="0"/>
+          <a:ext cx="0" cy="0"/>
+          <a:chOff x="0" y="0"/>
+          <a:chExt cx="0" cy="0"/>
+        </a:xfrm>
+      </p:grpSpPr>
+      <p:sp>
+        <p:nvSpPr>
+          <p:cNvPr id="57" name="Rectangle 56"/>
+          <p:cNvSpPr/>
+          <p:nvPr/>
+        </p:nvSpPr>
+        <p:spPr>
+          <a:xfrm>
+            <a:off x="0" y="2514600"/>
+            <a:ext cx="6172200" cy="4343400"/>
+          </a:xfrm>
+          <a:prstGeom prst="rect">
+            <a:avLst/>
+          </a:prstGeom>
+          <a:solidFill>
+            <a:schemeClr val="accent1">
+              <a:alpha val="18000"/>
+            </a:schemeClr>
+          </a:solidFill>
+          <a:ln>
+            <a:noFill/>
+          </a:ln>
+        </p:spPr>
+        <p:style>
+          <a:lnRef idx="1">
+            <a:schemeClr val="accent1"/>
+          </a:lnRef>
+          <a:fillRef idx="3">
+            <a:schemeClr val="accent1"/>
+          </a:fillRef>
+          <a:effectRef idx="2">
+            <a:schemeClr val="accent1"/>
+          </a:effectRef>
+          <a:fontRef idx="minor">
+            <a:schemeClr val="lt1"/>
+          </a:fontRef>
+        </p:style>
+        <p:txBody>
+          <a:bodyPr anchor="ctr"/>
+          <a:lstStyle/>
+          <a:p>
+            <a:pPr algn="ctr">
+              <a:defRPr/>
+            </a:pPr>
+            <a:endParaRPr lang="en-US" sz="1800" dirty="0">
+              <a:solidFill>
+                <a:schemeClr val="tx1"/>
+              </a:solidFill>
+              <a:latin typeface="Calibri" charset="0"/>
+              <a:ea typeface="ＭＳ Ｐゴシック" charset="0"/>
+              <a:cs typeface="Calibri" charset="0"/>
+            </a:endParaRPr>
+          </a:p>
+        </p:txBody>
+      </p:sp>
+      <p:sp>
+        <p:nvSpPr>
+          <p:cNvPr id="11266" name="Title 1"/>
+          <p:cNvSpPr txBox="1">
+            <a:spLocks/>
+          </p:cNvSpPr>
+          <p:nvPr/>
+        </p:nvSpPr>
+        <p:spPr bwMode="auto">
+          <a:xfrm>
+            <a:off x="60325" y="365125"/>
+            <a:ext cx="6019800" cy="838200"/>
+          </a:xfrm>
+          <a:prstGeom prst="rect">
+            <a:avLst/>
+          </a:prstGeom>
+          <a:noFill/>
+          <a:ln>
+            <a:noFill/>
+          </a:ln>
+          <a:extLst>
+            <a:ext uri="{909E8E84-426E-40dd-AFC4-6F175D3DCCD1}">
+              <a14:hiddenFill xmlns:a14="http://schemas.microsoft.com/office/drawing/2010/main">
+                <a:solidFill>
+                  <a:srgbClr val="FFFFFF"/>
+                </a:solidFill>
+              </a14:hiddenFill>
+            </a:ext>
+            <a:ext uri="{91240B29-F687-4f45-9708-019B960494DF}">
+              <a14:hiddenLine xmlns:a14="http://schemas.microsoft.com/office/drawing/2010/main" w="9525">
+                <a:solidFill>
+                  <a:srgbClr val="000000"/>
+                </a:solidFill>
+                <a:miter lim="800000"/>
+                <a:headEnd/>
+                <a:tailEnd/>
+              </a14:hiddenLine>
+            </a:ext>
+          </a:extLst>
+        </p:spPr>
+        <p:txBody>
+          <a:bodyPr anchor="ctr"/>
+          <a:lstStyle>
+            <a:lvl1pPr eaLnBrk="0" hangingPunct="0">
+              <a:defRPr sz="2400">
+                <a:solidFill>
+                  <a:schemeClr val="tx1"/>
+                </a:solidFill>
+                <a:latin typeface="Arial" charset="0"/>
+                <a:ea typeface="ＭＳ Ｐゴシック" charset="0"/>
+                <a:cs typeface="ＭＳ Ｐゴシック" charset="0"/>
+              </a:defRPr>
+            </a:lvl1pPr>
+            <a:lvl2pPr marL="742950" indent="-285750" eaLnBrk="0" hangingPunct="0">
+              <a:defRPr sz="2400">
+                <a:solidFill>
+                  <a:schemeClr val="tx1"/>
+                </a:solidFill>
+                <a:latin typeface="Arial" charset="0"/>
+                <a:ea typeface="ＭＳ Ｐゴシック" charset="0"/>
+              </a:defRPr>
+            </a:lvl2pPr>
+            <a:lvl3pPr marL="1143000" indent="-228600" eaLnBrk="0" hangingPunct="0">
+              <a:defRPr sz="2400">
+                <a:solidFill>
+                  <a:schemeClr val="tx1"/>
+                </a:solidFill>
+                <a:latin typeface="Arial" charset="0"/>
+                <a:ea typeface="ＭＳ Ｐゴシック" charset="0"/>
+              </a:defRPr>
+            </a:lvl3pPr>
+            <a:lvl4pPr marL="1600200" indent="-228600" eaLnBrk="0" hangingPunct="0">
+              <a:defRPr sz="2400">
+                <a:solidFill>
+                  <a:schemeClr val="tx1"/>
+                </a:solidFill>
+                <a:latin typeface="Arial" charset="0"/>
+                <a:ea typeface="ＭＳ Ｐゴシック" charset="0"/>
+              </a:defRPr>
+            </a:lvl4pPr>
+            <a:lvl5pPr marL="2057400" indent="-228600" eaLnBrk="0" hangingPunct="0">
+              <a:defRPr sz="2400">
+                <a:solidFill>
+                  <a:schemeClr val="tx1"/>
+                </a:solidFill>
+                <a:latin typeface="Arial" charset="0"/>
+                <a:ea typeface="ＭＳ Ｐゴシック" charset="0"/>
+              </a:defRPr>
+            </a:lvl5pPr>
+            <a:lvl6pPr marL="2514600" indent="-228600" eaLnBrk="0" fontAlgn="base" hangingPunct="0">
+              <a:spcBef>
+                <a:spcPct val="0"/>
+              </a:spcBef>
+              <a:spcAft>
+                <a:spcPct val="0"/>
+              </a:spcAft>
+              <a:defRPr sz="2400">
+                <a:solidFill>
+                  <a:schemeClr val="tx1"/>
+                </a:solidFill>
+                <a:latin typeface="Arial" charset="0"/>
+                <a:ea typeface="ＭＳ Ｐゴシック" charset="0"/>
+              </a:defRPr>
+            </a:lvl6pPr>
+            <a:lvl7pPr marL="2971800" indent="-228600" eaLnBrk="0" fontAlgn="base" hangingPunct="0">
+              <a:spcBef>
+                <a:spcPct val="0"/>
+              </a:spcBef>
+              <a:spcAft>
+                <a:spcPct val="0"/>
+              </a:spcAft>
+              <a:defRPr sz="2400">
+                <a:solidFill>
+                  <a:schemeClr val="tx1"/>
+                </a:solidFill>
+                <a:latin typeface="Arial" charset="0"/>
+                <a:ea typeface="ＭＳ Ｐゴシック" charset="0"/>
+              </a:defRPr>
+            </a:lvl7pPr>
+            <a:lvl8pPr marL="3429000" indent="-228600" eaLnBrk="0" fontAlgn="base" hangingPunct="0">
+              <a:spcBef>
+                <a:spcPct val="0"/>
+              </a:spcBef>
+              <a:spcAft>
+                <a:spcPct val="0"/>
+              </a:spcAft>
+              <a:defRPr sz="2400">
+                <a:solidFill>
+                  <a:schemeClr val="tx1"/>
+                </a:solidFill>
+                <a:latin typeface="Arial" charset="0"/>
+                <a:ea typeface="ＭＳ Ｐゴシック" charset="0"/>
+              </a:defRPr>
+            </a:lvl8pPr>
+            <a:lvl9pPr marL="3886200" indent="-228600" eaLnBrk="0" fontAlgn="base" hangingPunct="0">
+              <a:spcBef>
+                <a:spcPct val="0"/>
+              </a:spcBef>
+              <a:spcAft>
+                <a:spcPct val="0"/>
+              </a:spcAft>
+              <a:defRPr sz="2400">
+                <a:solidFill>
+                  <a:schemeClr val="tx1"/>
+                </a:solidFill>
+                <a:latin typeface="Arial" charset="0"/>
+                <a:ea typeface="ＭＳ Ｐゴシック" charset="0"/>
+              </a:defRPr>
+            </a:lvl9pPr>
+          </a:lstStyle>
+          <a:p>
+            <a:pPr algn="r" eaLnBrk="1" hangingPunct="1"/>
+            <a:r>
+              <a:rPr lang="en-US" dirty="0">
+                <a:solidFill>
+                  <a:schemeClr val="bg1"/>
+                </a:solidFill>
+                <a:latin typeface="Calibri" charset="0"/>
+                <a:cs typeface="Segoe UI" charset="0"/>
+              </a:rPr>
+              <a:t>Module </a:t>
+            </a:r>
+            <a:r>
+              <a:rPr lang="en-US" dirty="0" smtClean="0">
+                <a:solidFill>
+                  <a:schemeClr val="bg1"/>
+                </a:solidFill>
+                <a:latin typeface="Calibri" charset="0"/>
+                <a:cs typeface="Segoe UI" charset="0"/>
+              </a:rPr>
+              <a:t>2</a:t>
+            </a:r>
+            <a:r>
+              <a:rPr lang="en-US" dirty="0">
+                <a:solidFill>
+                  <a:schemeClr val="bg1"/>
+                </a:solidFill>
+                <a:latin typeface="Calibri" charset="0"/>
+                <a:cs typeface="Segoe UI" charset="0"/>
+              </a:rPr>
+              <a:t/>
+            </a:r>
+            <a:br>
+              <a:rPr lang="en-US" dirty="0">
+                <a:solidFill>
+                  <a:schemeClr val="bg1"/>
+                </a:solidFill>
+                <a:latin typeface="Calibri" charset="0"/>
+                <a:cs typeface="Segoe UI" charset="0"/>
+              </a:rPr>
+            </a:br>
+            <a:r>
+              <a:rPr lang="en-US" dirty="0">
+                <a:solidFill>
+                  <a:schemeClr val="bg1"/>
+                </a:solidFill>
+                <a:latin typeface="Calibri" charset="0"/>
+                <a:cs typeface="Segoe UI" charset="0"/>
+              </a:rPr>
+              <a:t>RNA-</a:t>
+            </a:r>
+            <a:r>
+              <a:rPr lang="en-US" dirty="0" err="1">
+                <a:solidFill>
+                  <a:schemeClr val="bg1"/>
+                </a:solidFill>
+                <a:latin typeface="Calibri" charset="0"/>
+                <a:cs typeface="Segoe UI" charset="0"/>
+              </a:rPr>
+              <a:t>seq</a:t>
+            </a:r>
+            <a:r>
+              <a:rPr lang="en-US" dirty="0">
+                <a:solidFill>
+                  <a:schemeClr val="bg1"/>
+                </a:solidFill>
+                <a:latin typeface="Calibri" charset="0"/>
+                <a:cs typeface="Segoe UI" charset="0"/>
+              </a:rPr>
+              <a:t> alignment and visualization (lecture)</a:t>
+            </a:r>
+            <a:endParaRPr lang="en-US" b="1" dirty="0">
+              <a:solidFill>
+                <a:schemeClr val="bg1"/>
+              </a:solidFill>
+              <a:latin typeface="Calibri" charset="0"/>
+              <a:cs typeface="Segoe UI" charset="0"/>
+            </a:endParaRPr>
+          </a:p>
+        </p:txBody>
+      </p:sp>
+      <p:sp>
+        <p:nvSpPr>
+          <p:cNvPr id="3" name="Title 1"/>
+          <p:cNvSpPr txBox="1">
+            <a:spLocks/>
+          </p:cNvSpPr>
+          <p:nvPr/>
+        </p:nvSpPr>
+        <p:spPr>
+          <a:xfrm>
+            <a:off x="971600" y="1412776"/>
+            <a:ext cx="5181599" cy="936104"/>
+          </a:xfrm>
+          <a:prstGeom prst="rect">
+            <a:avLst/>
+          </a:prstGeom>
+        </p:spPr>
+        <p:txBody>
+          <a:bodyPr anchor="ctr"/>
+          <a:lstStyle>
+            <a:lvl1pPr algn="r">
+              <a:defRPr sz="3200" baseline="0">
+                <a:solidFill>
+                  <a:schemeClr val="bg1"/>
+                </a:solidFill>
+                <a:latin typeface="Adobe Jenson Pro" pitchFamily="18" charset="0"/>
+              </a:defRPr>
+            </a:lvl1pPr>
+          </a:lstStyle>
+          <a:p>
+            <a:pPr fontAlgn="auto">
+              <a:spcAft>
+                <a:spcPts val="0"/>
+              </a:spcAft>
+              <a:defRPr/>
+            </a:pPr>
+            <a:r>
+              <a:rPr lang="en-US" sz="1600" dirty="0">
+                <a:latin typeface="Calibri"/>
+                <a:cs typeface="Calibri"/>
+              </a:rPr>
+              <a:t>Malachi </a:t>
+            </a:r>
+            <a:r>
+              <a:rPr lang="en-US" sz="1600" dirty="0" smtClean="0">
+                <a:latin typeface="Calibri"/>
+                <a:cs typeface="Calibri"/>
+              </a:rPr>
+              <a:t>Griffith &amp; </a:t>
+            </a:r>
+            <a:r>
+              <a:rPr lang="en-US" sz="1600" dirty="0">
+                <a:latin typeface="Calibri"/>
+                <a:cs typeface="Calibri"/>
+              </a:rPr>
+              <a:t>Obi </a:t>
+            </a:r>
+            <a:r>
+              <a:rPr lang="en-US" sz="1600" dirty="0" smtClean="0">
+                <a:latin typeface="Calibri"/>
+                <a:cs typeface="Calibri"/>
+              </a:rPr>
+              <a:t>Griffith &amp; </a:t>
+            </a:r>
+            <a:r>
+              <a:rPr lang="en-US" sz="1600" dirty="0" err="1" smtClean="0">
+                <a:latin typeface="Calibri"/>
+                <a:cs typeface="Calibri"/>
+              </a:rPr>
+              <a:t>Fouad</a:t>
+            </a:r>
+            <a:r>
+              <a:rPr lang="en-US" sz="1600" dirty="0" smtClean="0">
+                <a:latin typeface="Calibri"/>
+                <a:cs typeface="Calibri"/>
+              </a:rPr>
+              <a:t> </a:t>
+            </a:r>
+            <a:r>
+              <a:rPr lang="en-US" sz="1600" dirty="0" err="1" smtClean="0">
+                <a:latin typeface="Calibri"/>
+                <a:cs typeface="Calibri"/>
+              </a:rPr>
+              <a:t>Yousif</a:t>
+            </a:r>
+            <a:endParaRPr lang="en-US" sz="1600" dirty="0">
+              <a:latin typeface="Calibri"/>
+              <a:cs typeface="Calibri"/>
+            </a:endParaRPr>
+          </a:p>
+          <a:p>
+            <a:pPr fontAlgn="auto">
+              <a:spcAft>
+                <a:spcPts val="0"/>
+              </a:spcAft>
+              <a:defRPr/>
+            </a:pPr>
+            <a:r>
+              <a:rPr lang="en-US" sz="1600" dirty="0">
+                <a:ln w="1270">
+                  <a:solidFill>
+                    <a:schemeClr val="tx1">
+                      <a:alpha val="38000"/>
+                    </a:schemeClr>
+                  </a:solidFill>
+                </a:ln>
+                <a:latin typeface="Calibri"/>
+                <a:cs typeface="Calibri"/>
+              </a:rPr>
+              <a:t>Informatics for RNA-seq Analysis</a:t>
+            </a:r>
+          </a:p>
+          <a:p>
+            <a:pPr fontAlgn="auto">
+              <a:spcAft>
+                <a:spcPts val="0"/>
+              </a:spcAft>
+              <a:defRPr/>
+            </a:pPr>
+            <a:r>
+              <a:rPr lang="en-US" sz="1400" dirty="0" smtClean="0">
+                <a:ln w="1270">
+                  <a:solidFill>
+                    <a:schemeClr val="tx1">
+                      <a:alpha val="38000"/>
+                    </a:schemeClr>
+                  </a:solidFill>
+                </a:ln>
+                <a:latin typeface="Calibri"/>
+                <a:ea typeface="+mn-ea"/>
+                <a:cs typeface="Calibri"/>
+              </a:rPr>
+              <a:t>June 8-9, </a:t>
+            </a:r>
+            <a:r>
+              <a:rPr lang="en-US" sz="1400" dirty="0" smtClean="0">
+                <a:ln w="1270">
+                  <a:solidFill>
+                    <a:schemeClr val="tx1">
+                      <a:alpha val="38000"/>
+                    </a:schemeClr>
+                  </a:solidFill>
+                </a:ln>
+                <a:latin typeface="Calibri"/>
+                <a:ea typeface="+mn-ea"/>
+                <a:cs typeface="Calibri"/>
+              </a:rPr>
+              <a:t>2015</a:t>
+            </a:r>
+          </a:p>
+        </p:txBody>
+      </p:sp>
+      <p:pic>
+        <p:nvPicPr>
+          <p:cNvPr id="8" name="Picture 1" descr="RNA-Seq-alignment.png"/>
+          <p:cNvPicPr>
+            <a:picLocks noChangeAspect="1"/>
+          </p:cNvPicPr>
+          <p:nvPr/>
+        </p:nvPicPr>
+        <p:blipFill>
+          <a:blip r:embed="rId2">
+            <a:extLst>
+              <a:ext uri="{28A0092B-C50C-407E-A947-70E740481C1C}">
+                <a14:useLocalDpi xmlns:a14="http://schemas.microsoft.com/office/drawing/2010/main" val="0"/>
+              </a:ext>
+            </a:extLst>
+          </a:blip>
+          <a:srcRect/>
+          <a:stretch>
+            <a:fillRect/>
+          </a:stretch>
+        </p:blipFill>
+        <p:spPr bwMode="auto">
+          <a:xfrm>
+            <a:off x="900113" y="2636838"/>
+            <a:ext cx="4248150" cy="4068762"/>
+          </a:xfrm>
+          <a:prstGeom prst="rect">
+            <a:avLst/>
+          </a:prstGeom>
+          <a:noFill/>
+          <a:ln>
+            <a:noFill/>
+          </a:ln>
+          <a:extLst>
+            <a:ext uri="{909E8E84-426E-40dd-AFC4-6F175D3DCCD1}">
+              <a14:hiddenFill xmlns:a14="http://schemas.microsoft.com/office/drawing/2010/main">
+                <a:solidFill>
+                  <a:srgbClr val="FFFFFF"/>
+                </a:solidFill>
+              </a14:hiddenFill>
+            </a:ext>
+            <a:ext uri="{91240B29-F687-4f45-9708-019B960494DF}">
+              <a14:hiddenLine xmlns:a14="http://schemas.microsoft.com/office/drawing/2010/main" w="9525">
+                <a:solidFill>
+                  <a:srgbClr val="000000"/>
+                </a:solidFill>
+                <a:miter lim="800000"/>
+                <a:headEnd/>
+                <a:tailEnd/>
+              </a14:hiddenLine>
+            </a:ext>
+          </a:extLst>
+        </p:spPr>
+      </p:pic>
+      <p:pic>
+        <p:nvPicPr>
+          <p:cNvPr id="11" name="Picture 10" descr="bioinformatics-ca.eps"/>
+          <p:cNvPicPr>
+            <a:picLocks noChangeAspect="1"/>
+          </p:cNvPicPr>
+          <p:nvPr/>
+        </p:nvPicPr>
+        <p:blipFill>
+          <a:blip r:embed="rId3">
+            <a:extLst>
+              <a:ext uri="{28A0092B-C50C-407E-A947-70E740481C1C}">
+                <a14:useLocalDpi xmlns:a14="http://schemas.microsoft.com/office/drawing/2010/main" val="0"/>
+              </a:ext>
+            </a:extLst>
+          </a:blip>
+          <a:stretch>
+            <a:fillRect/>
+          </a:stretch>
+        </p:blipFill>
+        <p:spPr>
+          <a:xfrm>
+            <a:off x="6516216" y="4223713"/>
+            <a:ext cx="2339752" cy="1005487"/>
+          </a:xfrm>
+          <a:prstGeom prst="rect">
+            <a:avLst/>
+          </a:prstGeom>
+        </p:spPr>
+      </p:pic>
+    </p:spTree>
+  </p:cSld>
+  <p:clrMapOvr>
+    <a:masterClrMapping/>
+  </p:clrMapOvr>
+  <p:timing>
+    <p:tnLst>
+      <p:par>
+        <p:cTn xmlns:p14="http://schemas.microsoft.com/office/powerpoint/2010/main" id="1" dur="indefinite" restart="never" nodeType="tmRoot"/>
+      </p:par>
+    </p:tnLst>
+  </p:timing>
+</p:sld>
+</file>
+
+<file path=ppt/slides/slide30.xml><?xml version="1.0" encoding="utf-8"?>
 <p:sld xmlns:a="http://schemas.openxmlformats.org/drawingml/2006/main" xmlns:r="http://schemas.openxmlformats.org/officeDocument/2006/relationships" xmlns:p="http://schemas.openxmlformats.org/presentationml/2006/main">
   <p:cSld>
     <p:spTree>
@@ -23286,7 +22920,7 @@
 </p:sld>
 </file>
 
-<file path=ppt/slides/slide32.xml><?xml version="1.0" encoding="utf-8"?>
+<file path=ppt/slides/slide31.xml><?xml version="1.0" encoding="utf-8"?>
 <p:sld xmlns:a="http://schemas.openxmlformats.org/drawingml/2006/main" xmlns:r="http://schemas.openxmlformats.org/officeDocument/2006/relationships" xmlns:p="http://schemas.openxmlformats.org/presentationml/2006/main">
   <p:cSld>
     <p:spTree>
@@ -23485,7 +23119,7 @@
 </p:sld>
 </file>
 
-<file path=ppt/slides/slide33.xml><?xml version="1.0" encoding="utf-8"?>
+<file path=ppt/slides/slide32.xml><?xml version="1.0" encoding="utf-8"?>
 <p:sld xmlns:a="http://schemas.openxmlformats.org/drawingml/2006/main" xmlns:r="http://schemas.openxmlformats.org/officeDocument/2006/relationships" xmlns:p="http://schemas.openxmlformats.org/presentationml/2006/main">
   <p:cSld>
     <p:spTree>
@@ -23978,7 +23612,7 @@
 </p:sld>
 </file>
 
-<file path=ppt/slides/slide34.xml><?xml version="1.0" encoding="utf-8"?>
+<file path=ppt/slides/slide33.xml><?xml version="1.0" encoding="utf-8"?>
 <p:sld xmlns:a="http://schemas.openxmlformats.org/drawingml/2006/main" xmlns:r="http://schemas.openxmlformats.org/officeDocument/2006/relationships" xmlns:p="http://schemas.openxmlformats.org/presentationml/2006/main">
   <p:cSld>
     <p:spTree>
@@ -24204,7 +23838,7 @@
 </p:sld>
 </file>
 
-<file path=ppt/slides/slide35.xml><?xml version="1.0" encoding="utf-8"?>
+<file path=ppt/slides/slide34.xml><?xml version="1.0" encoding="utf-8"?>
 <p:sld xmlns:a="http://schemas.openxmlformats.org/drawingml/2006/main" xmlns:r="http://schemas.openxmlformats.org/officeDocument/2006/relationships" xmlns:p="http://schemas.openxmlformats.org/presentationml/2006/main">
   <p:cSld>
     <p:spTree>
@@ -25346,7 +24980,7 @@
 </p:sld>
 </file>
 
-<file path=ppt/slides/slide36.xml><?xml version="1.0" encoding="utf-8"?>
+<file path=ppt/slides/slide35.xml><?xml version="1.0" encoding="utf-8"?>
 <p:sld xmlns:a="http://schemas.openxmlformats.org/drawingml/2006/main" xmlns:r="http://schemas.openxmlformats.org/officeDocument/2006/relationships" xmlns:p="http://schemas.openxmlformats.org/presentationml/2006/main">
   <p:cSld>
     <p:spTree>
@@ -25877,7 +25511,7 @@
 </p:sld>
 </file>
 
-<file path=ppt/slides/slide37.xml><?xml version="1.0" encoding="utf-8"?>
+<file path=ppt/slides/slide36.xml><?xml version="1.0" encoding="utf-8"?>
 <p:sld xmlns:a="http://schemas.openxmlformats.org/drawingml/2006/main" xmlns:r="http://schemas.openxmlformats.org/officeDocument/2006/relationships" xmlns:p="http://schemas.openxmlformats.org/presentationml/2006/main">
   <p:cSld>
     <p:spTree>
@@ -26584,7 +26218,7 @@
 </p:sld>
 </file>
 
-<file path=ppt/slides/slide38.xml><?xml version="1.0" encoding="utf-8"?>
+<file path=ppt/slides/slide37.xml><?xml version="1.0" encoding="utf-8"?>
 <p:sld xmlns:a="http://schemas.openxmlformats.org/drawingml/2006/main" xmlns:r="http://schemas.openxmlformats.org/officeDocument/2006/relationships" xmlns:p="http://schemas.openxmlformats.org/presentationml/2006/main">
   <p:cSld>
     <p:spTree>
@@ -26891,7 +26525,7 @@
 </p:sld>
 </file>
 
-<file path=ppt/slides/slide39.xml><?xml version="1.0" encoding="utf-8"?>
+<file path=ppt/slides/slide38.xml><?xml version="1.0" encoding="utf-8"?>
 <p:sld xmlns:a="http://schemas.openxmlformats.org/drawingml/2006/main" xmlns:r="http://schemas.openxmlformats.org/officeDocument/2006/relationships" xmlns:p="http://schemas.openxmlformats.org/presentationml/2006/main">
   <p:cSld>
     <p:spTree>
@@ -26953,11 +26587,18 @@
               <a:t>(Module </a:t>
             </a:r>
             <a:r>
+              <a:rPr lang="en-US" sz="4400" b="1" dirty="0">
+                <a:latin typeface="Calibri" charset="0"/>
+                <a:ea typeface="ＭＳ Ｐゴシック" charset="0"/>
+              </a:rPr>
+              <a:t>2</a:t>
+            </a:r>
+            <a:r>
               <a:rPr lang="en-US" sz="4400" b="1" dirty="0" smtClean="0">
                 <a:latin typeface="Calibri" charset="0"/>
                 <a:ea typeface="ＭＳ Ｐゴシック" charset="0"/>
               </a:rPr>
-              <a:t>3)</a:t>
+              <a:t>)</a:t>
             </a:r>
             <a:endParaRPr lang="en-US" sz="4400" b="1" dirty="0">
               <a:latin typeface="Calibri" charset="0"/>
@@ -26986,608 +26627,7 @@
 </p:sld>
 </file>
 
-<file path=ppt/slides/slide4.xml><?xml version="1.0" encoding="utf-8"?>
-<p:sld xmlns:a="http://schemas.openxmlformats.org/drawingml/2006/main" xmlns:r="http://schemas.openxmlformats.org/officeDocument/2006/relationships" xmlns:p="http://schemas.openxmlformats.org/presentationml/2006/main">
-  <p:cSld>
-    <p:spTree>
-      <p:nvGrpSpPr>
-        <p:cNvPr id="1" name=""/>
-        <p:cNvGrpSpPr/>
-        <p:nvPr/>
-      </p:nvGrpSpPr>
-      <p:grpSpPr>
-        <a:xfrm>
-          <a:off x="0" y="0"/>
-          <a:ext cx="0" cy="0"/>
-          <a:chOff x="0" y="0"/>
-          <a:chExt cx="0" cy="0"/>
-        </a:xfrm>
-      </p:grpSpPr>
-      <p:sp>
-        <p:nvSpPr>
-          <p:cNvPr id="57" name="Rectangle 56"/>
-          <p:cNvSpPr/>
-          <p:nvPr/>
-        </p:nvSpPr>
-        <p:spPr>
-          <a:xfrm>
-            <a:off x="0" y="2514600"/>
-            <a:ext cx="6172200" cy="4343400"/>
-          </a:xfrm>
-          <a:prstGeom prst="rect">
-            <a:avLst/>
-          </a:prstGeom>
-          <a:solidFill>
-            <a:schemeClr val="accent1">
-              <a:alpha val="18000"/>
-            </a:schemeClr>
-          </a:solidFill>
-          <a:ln>
-            <a:noFill/>
-          </a:ln>
-        </p:spPr>
-        <p:style>
-          <a:lnRef idx="1">
-            <a:schemeClr val="accent1"/>
-          </a:lnRef>
-          <a:fillRef idx="3">
-            <a:schemeClr val="accent1"/>
-          </a:fillRef>
-          <a:effectRef idx="2">
-            <a:schemeClr val="accent1"/>
-          </a:effectRef>
-          <a:fontRef idx="minor">
-            <a:schemeClr val="lt1"/>
-          </a:fontRef>
-        </p:style>
-        <p:txBody>
-          <a:bodyPr anchor="ctr"/>
-          <a:lstStyle/>
-          <a:p>
-            <a:pPr algn="ctr">
-              <a:defRPr/>
-            </a:pPr>
-            <a:endParaRPr lang="en-US" sz="1800" dirty="0">
-              <a:solidFill>
-                <a:schemeClr val="tx1"/>
-              </a:solidFill>
-              <a:latin typeface="Calibri" charset="0"/>
-              <a:ea typeface="ＭＳ Ｐゴシック" charset="0"/>
-              <a:cs typeface="Calibri" charset="0"/>
-            </a:endParaRPr>
-          </a:p>
-        </p:txBody>
-      </p:sp>
-      <p:sp>
-        <p:nvSpPr>
-          <p:cNvPr id="11266" name="Title 1"/>
-          <p:cNvSpPr txBox="1">
-            <a:spLocks/>
-          </p:cNvSpPr>
-          <p:nvPr/>
-        </p:nvSpPr>
-        <p:spPr bwMode="auto">
-          <a:xfrm>
-            <a:off x="60325" y="365125"/>
-            <a:ext cx="6019800" cy="838200"/>
-          </a:xfrm>
-          <a:prstGeom prst="rect">
-            <a:avLst/>
-          </a:prstGeom>
-          <a:noFill/>
-          <a:ln>
-            <a:noFill/>
-          </a:ln>
-          <a:extLst>
-            <a:ext uri="{909E8E84-426E-40dd-AFC4-6F175D3DCCD1}">
-              <a14:hiddenFill xmlns:a14="http://schemas.microsoft.com/office/drawing/2010/main">
-                <a:solidFill>
-                  <a:srgbClr val="FFFFFF"/>
-                </a:solidFill>
-              </a14:hiddenFill>
-            </a:ext>
-            <a:ext uri="{91240B29-F687-4f45-9708-019B960494DF}">
-              <a14:hiddenLine xmlns:a14="http://schemas.microsoft.com/office/drawing/2010/main" w="9525">
-                <a:solidFill>
-                  <a:srgbClr val="000000"/>
-                </a:solidFill>
-                <a:miter lim="800000"/>
-                <a:headEnd/>
-                <a:tailEnd/>
-              </a14:hiddenLine>
-            </a:ext>
-          </a:extLst>
-        </p:spPr>
-        <p:txBody>
-          <a:bodyPr anchor="ctr"/>
-          <a:lstStyle>
-            <a:lvl1pPr eaLnBrk="0" hangingPunct="0">
-              <a:defRPr sz="2400">
-                <a:solidFill>
-                  <a:schemeClr val="tx1"/>
-                </a:solidFill>
-                <a:latin typeface="Arial" charset="0"/>
-                <a:ea typeface="ＭＳ Ｐゴシック" charset="0"/>
-                <a:cs typeface="ＭＳ Ｐゴシック" charset="0"/>
-              </a:defRPr>
-            </a:lvl1pPr>
-            <a:lvl2pPr marL="742950" indent="-285750" eaLnBrk="0" hangingPunct="0">
-              <a:defRPr sz="2400">
-                <a:solidFill>
-                  <a:schemeClr val="tx1"/>
-                </a:solidFill>
-                <a:latin typeface="Arial" charset="0"/>
-                <a:ea typeface="ＭＳ Ｐゴシック" charset="0"/>
-              </a:defRPr>
-            </a:lvl2pPr>
-            <a:lvl3pPr marL="1143000" indent="-228600" eaLnBrk="0" hangingPunct="0">
-              <a:defRPr sz="2400">
-                <a:solidFill>
-                  <a:schemeClr val="tx1"/>
-                </a:solidFill>
-                <a:latin typeface="Arial" charset="0"/>
-                <a:ea typeface="ＭＳ Ｐゴシック" charset="0"/>
-              </a:defRPr>
-            </a:lvl3pPr>
-            <a:lvl4pPr marL="1600200" indent="-228600" eaLnBrk="0" hangingPunct="0">
-              <a:defRPr sz="2400">
-                <a:solidFill>
-                  <a:schemeClr val="tx1"/>
-                </a:solidFill>
-                <a:latin typeface="Arial" charset="0"/>
-                <a:ea typeface="ＭＳ Ｐゴシック" charset="0"/>
-              </a:defRPr>
-            </a:lvl4pPr>
-            <a:lvl5pPr marL="2057400" indent="-228600" eaLnBrk="0" hangingPunct="0">
-              <a:defRPr sz="2400">
-                <a:solidFill>
-                  <a:schemeClr val="tx1"/>
-                </a:solidFill>
-                <a:latin typeface="Arial" charset="0"/>
-                <a:ea typeface="ＭＳ Ｐゴシック" charset="0"/>
-              </a:defRPr>
-            </a:lvl5pPr>
-            <a:lvl6pPr marL="2514600" indent="-228600" eaLnBrk="0" fontAlgn="base" hangingPunct="0">
-              <a:spcBef>
-                <a:spcPct val="0"/>
-              </a:spcBef>
-              <a:spcAft>
-                <a:spcPct val="0"/>
-              </a:spcAft>
-              <a:defRPr sz="2400">
-                <a:solidFill>
-                  <a:schemeClr val="tx1"/>
-                </a:solidFill>
-                <a:latin typeface="Arial" charset="0"/>
-                <a:ea typeface="ＭＳ Ｐゴシック" charset="0"/>
-              </a:defRPr>
-            </a:lvl6pPr>
-            <a:lvl7pPr marL="2971800" indent="-228600" eaLnBrk="0" fontAlgn="base" hangingPunct="0">
-              <a:spcBef>
-                <a:spcPct val="0"/>
-              </a:spcBef>
-              <a:spcAft>
-                <a:spcPct val="0"/>
-              </a:spcAft>
-              <a:defRPr sz="2400">
-                <a:solidFill>
-                  <a:schemeClr val="tx1"/>
-                </a:solidFill>
-                <a:latin typeface="Arial" charset="0"/>
-                <a:ea typeface="ＭＳ Ｐゴシック" charset="0"/>
-              </a:defRPr>
-            </a:lvl7pPr>
-            <a:lvl8pPr marL="3429000" indent="-228600" eaLnBrk="0" fontAlgn="base" hangingPunct="0">
-              <a:spcBef>
-                <a:spcPct val="0"/>
-              </a:spcBef>
-              <a:spcAft>
-                <a:spcPct val="0"/>
-              </a:spcAft>
-              <a:defRPr sz="2400">
-                <a:solidFill>
-                  <a:schemeClr val="tx1"/>
-                </a:solidFill>
-                <a:latin typeface="Arial" charset="0"/>
-                <a:ea typeface="ＭＳ Ｐゴシック" charset="0"/>
-              </a:defRPr>
-            </a:lvl8pPr>
-            <a:lvl9pPr marL="3886200" indent="-228600" eaLnBrk="0" fontAlgn="base" hangingPunct="0">
-              <a:spcBef>
-                <a:spcPct val="0"/>
-              </a:spcBef>
-              <a:spcAft>
-                <a:spcPct val="0"/>
-              </a:spcAft>
-              <a:defRPr sz="2400">
-                <a:solidFill>
-                  <a:schemeClr val="tx1"/>
-                </a:solidFill>
-                <a:latin typeface="Arial" charset="0"/>
-                <a:ea typeface="ＭＳ Ｐゴシック" charset="0"/>
-              </a:defRPr>
-            </a:lvl9pPr>
-          </a:lstStyle>
-          <a:p>
-            <a:pPr algn="r" eaLnBrk="1" hangingPunct="1"/>
-            <a:r>
-              <a:rPr lang="en-US" dirty="0">
-                <a:solidFill>
-                  <a:schemeClr val="bg1"/>
-                </a:solidFill>
-                <a:latin typeface="Calibri" charset="0"/>
-                <a:cs typeface="Segoe UI" charset="0"/>
-              </a:rPr>
-              <a:t>Module </a:t>
-            </a:r>
-            <a:r>
-              <a:rPr lang="en-US" dirty="0" smtClean="0">
-                <a:solidFill>
-                  <a:schemeClr val="bg1"/>
-                </a:solidFill>
-                <a:latin typeface="Calibri" charset="0"/>
-                <a:cs typeface="Segoe UI" charset="0"/>
-              </a:rPr>
-              <a:t>2</a:t>
-            </a:r>
-            <a:r>
-              <a:rPr lang="en-US" dirty="0">
-                <a:solidFill>
-                  <a:schemeClr val="bg1"/>
-                </a:solidFill>
-                <a:latin typeface="Calibri" charset="0"/>
-                <a:cs typeface="Segoe UI" charset="0"/>
-              </a:rPr>
-              <a:t/>
-            </a:r>
-            <a:br>
-              <a:rPr lang="en-US" dirty="0">
-                <a:solidFill>
-                  <a:schemeClr val="bg1"/>
-                </a:solidFill>
-                <a:latin typeface="Calibri" charset="0"/>
-                <a:cs typeface="Segoe UI" charset="0"/>
-              </a:rPr>
-            </a:br>
-            <a:r>
-              <a:rPr lang="en-US" dirty="0">
-                <a:solidFill>
-                  <a:schemeClr val="bg1"/>
-                </a:solidFill>
-                <a:latin typeface="Calibri" charset="0"/>
-                <a:cs typeface="Segoe UI" charset="0"/>
-              </a:rPr>
-              <a:t>RNA-</a:t>
-            </a:r>
-            <a:r>
-              <a:rPr lang="en-US" dirty="0" err="1">
-                <a:solidFill>
-                  <a:schemeClr val="bg1"/>
-                </a:solidFill>
-                <a:latin typeface="Calibri" charset="0"/>
-                <a:cs typeface="Segoe UI" charset="0"/>
-              </a:rPr>
-              <a:t>seq</a:t>
-            </a:r>
-            <a:r>
-              <a:rPr lang="en-US" dirty="0">
-                <a:solidFill>
-                  <a:schemeClr val="bg1"/>
-                </a:solidFill>
-                <a:latin typeface="Calibri" charset="0"/>
-                <a:cs typeface="Segoe UI" charset="0"/>
-              </a:rPr>
-              <a:t> alignment and visualization (lecture)</a:t>
-            </a:r>
-            <a:endParaRPr lang="en-US" b="1" dirty="0">
-              <a:solidFill>
-                <a:schemeClr val="bg1"/>
-              </a:solidFill>
-              <a:latin typeface="Calibri" charset="0"/>
-              <a:cs typeface="Segoe UI" charset="0"/>
-            </a:endParaRPr>
-          </a:p>
-        </p:txBody>
-      </p:sp>
-      <p:sp>
-        <p:nvSpPr>
-          <p:cNvPr id="3" name="Title 1"/>
-          <p:cNvSpPr txBox="1">
-            <a:spLocks/>
-          </p:cNvSpPr>
-          <p:nvPr/>
-        </p:nvSpPr>
-        <p:spPr>
-          <a:xfrm>
-            <a:off x="971600" y="1412776"/>
-            <a:ext cx="5181599" cy="936104"/>
-          </a:xfrm>
-          <a:prstGeom prst="rect">
-            <a:avLst/>
-          </a:prstGeom>
-        </p:spPr>
-        <p:txBody>
-          <a:bodyPr anchor="ctr"/>
-          <a:lstStyle>
-            <a:lvl1pPr algn="r">
-              <a:defRPr sz="3200" baseline="0">
-                <a:solidFill>
-                  <a:schemeClr val="bg1"/>
-                </a:solidFill>
-                <a:latin typeface="Adobe Jenson Pro" pitchFamily="18" charset="0"/>
-              </a:defRPr>
-            </a:lvl1pPr>
-          </a:lstStyle>
-          <a:p>
-            <a:pPr fontAlgn="auto">
-              <a:spcAft>
-                <a:spcPts val="0"/>
-              </a:spcAft>
-              <a:defRPr/>
-            </a:pPr>
-            <a:r>
-              <a:rPr lang="en-US" sz="1600" dirty="0">
-                <a:latin typeface="Calibri"/>
-                <a:cs typeface="Calibri"/>
-              </a:rPr>
-              <a:t>Malachi </a:t>
-            </a:r>
-            <a:r>
-              <a:rPr lang="en-US" sz="1600" dirty="0" smtClean="0">
-                <a:latin typeface="Calibri"/>
-                <a:cs typeface="Calibri"/>
-              </a:rPr>
-              <a:t>Griffith &amp; </a:t>
-            </a:r>
-            <a:r>
-              <a:rPr lang="en-US" sz="1600" dirty="0">
-                <a:latin typeface="Calibri"/>
-                <a:cs typeface="Calibri"/>
-              </a:rPr>
-              <a:t>Obi </a:t>
-            </a:r>
-            <a:r>
-              <a:rPr lang="en-US" sz="1600" dirty="0" smtClean="0">
-                <a:latin typeface="Calibri"/>
-                <a:cs typeface="Calibri"/>
-              </a:rPr>
-              <a:t>Griffith &amp; </a:t>
-            </a:r>
-            <a:r>
-              <a:rPr lang="en-US" sz="1600" dirty="0" err="1" smtClean="0">
-                <a:latin typeface="Calibri"/>
-                <a:cs typeface="Calibri"/>
-              </a:rPr>
-              <a:t>Fouad</a:t>
-            </a:r>
-            <a:r>
-              <a:rPr lang="en-US" sz="1600" dirty="0" smtClean="0">
-                <a:latin typeface="Calibri"/>
-                <a:cs typeface="Calibri"/>
-              </a:rPr>
-              <a:t> </a:t>
-            </a:r>
-            <a:r>
-              <a:rPr lang="en-US" sz="1600" dirty="0" err="1" smtClean="0">
-                <a:latin typeface="Calibri"/>
-                <a:cs typeface="Calibri"/>
-              </a:rPr>
-              <a:t>Yousif</a:t>
-            </a:r>
-            <a:endParaRPr lang="en-US" sz="1600" dirty="0">
-              <a:latin typeface="Calibri"/>
-              <a:cs typeface="Calibri"/>
-            </a:endParaRPr>
-          </a:p>
-          <a:p>
-            <a:pPr fontAlgn="auto">
-              <a:spcAft>
-                <a:spcPts val="0"/>
-              </a:spcAft>
-              <a:defRPr/>
-            </a:pPr>
-            <a:r>
-              <a:rPr lang="en-US" sz="1600" dirty="0" smtClean="0">
-                <a:ln w="1270">
-                  <a:solidFill>
-                    <a:schemeClr val="tx1">
-                      <a:alpha val="38000"/>
-                    </a:schemeClr>
-                  </a:solidFill>
-                </a:ln>
-                <a:latin typeface="Calibri"/>
-                <a:ea typeface="+mj-ea"/>
-                <a:cs typeface="Calibri"/>
-              </a:rPr>
-              <a:t>High-throughput Biology: From Sequence to Networks</a:t>
-            </a:r>
-          </a:p>
-          <a:p>
-            <a:pPr fontAlgn="auto">
-              <a:spcAft>
-                <a:spcPts val="0"/>
-              </a:spcAft>
-              <a:defRPr/>
-            </a:pPr>
-            <a:r>
-              <a:rPr lang="en-US" sz="1400" dirty="0" smtClean="0">
-                <a:ln w="1270">
-                  <a:solidFill>
-                    <a:schemeClr val="tx1">
-                      <a:alpha val="38000"/>
-                    </a:schemeClr>
-                  </a:solidFill>
-                </a:ln>
-                <a:latin typeface="Calibri"/>
-                <a:ea typeface="+mn-ea"/>
-                <a:cs typeface="Calibri"/>
-              </a:rPr>
-              <a:t>April 27-May 3, 2015</a:t>
-            </a:r>
-          </a:p>
-        </p:txBody>
-      </p:sp>
-      <p:pic>
-        <p:nvPicPr>
-          <p:cNvPr id="4" name="Picture 3" descr="bioinformatics-ca.eps"/>
-          <p:cNvPicPr>
-            <a:picLocks noChangeAspect="1"/>
-          </p:cNvPicPr>
-          <p:nvPr/>
-        </p:nvPicPr>
-        <p:blipFill>
-          <a:blip r:embed="rId2">
-            <a:extLst>
-              <a:ext uri="{28A0092B-C50C-407E-A947-70E740481C1C}">
-                <a14:useLocalDpi xmlns:a14="http://schemas.microsoft.com/office/drawing/2010/main" val="0"/>
-              </a:ext>
-            </a:extLst>
-          </a:blip>
-          <a:stretch>
-            <a:fillRect/>
-          </a:stretch>
-        </p:blipFill>
-        <p:spPr>
-          <a:xfrm>
-            <a:off x="6516216" y="2708920"/>
-            <a:ext cx="2339752" cy="1005487"/>
-          </a:xfrm>
-          <a:prstGeom prst="rect">
-            <a:avLst/>
-          </a:prstGeom>
-        </p:spPr>
-      </p:pic>
-      <p:pic>
-        <p:nvPicPr>
-          <p:cNvPr id="9" name="Picture 8" descr="CSHL_Logo.eps"/>
-          <p:cNvPicPr>
-            <a:picLocks noChangeAspect="1"/>
-          </p:cNvPicPr>
-          <p:nvPr/>
-        </p:nvPicPr>
-        <p:blipFill>
-          <a:blip r:embed="rId3">
-            <a:extLst>
-              <a:ext uri="{28A0092B-C50C-407E-A947-70E740481C1C}">
-                <a14:useLocalDpi xmlns:a14="http://schemas.microsoft.com/office/drawing/2010/main" val="0"/>
-              </a:ext>
-            </a:extLst>
-          </a:blip>
-          <a:stretch>
-            <a:fillRect/>
-          </a:stretch>
-        </p:blipFill>
-        <p:spPr>
-          <a:xfrm>
-            <a:off x="6372200" y="4215061"/>
-            <a:ext cx="2458204" cy="942131"/>
-          </a:xfrm>
-          <a:prstGeom prst="rect">
-            <a:avLst/>
-          </a:prstGeom>
-          <a:noFill/>
-        </p:spPr>
-      </p:pic>
-      <p:pic>
-        <p:nvPicPr>
-          <p:cNvPr id="10" name="Picture 9" descr="NYGC_logo.jpeg"/>
-          <p:cNvPicPr>
-            <a:picLocks noChangeAspect="1"/>
-          </p:cNvPicPr>
-          <p:nvPr/>
-        </p:nvPicPr>
-        <p:blipFill>
-          <a:blip r:embed="rId4" cstate="print">
-            <a:extLst>
-              <a:ext uri="{28A0092B-C50C-407E-A947-70E740481C1C}">
-                <a14:useLocalDpi xmlns:a14="http://schemas.microsoft.com/office/drawing/2010/main" val="0"/>
-              </a:ext>
-            </a:extLst>
-          </a:blip>
-          <a:stretch>
-            <a:fillRect/>
-          </a:stretch>
-        </p:blipFill>
-        <p:spPr>
-          <a:xfrm>
-            <a:off x="6568588" y="5288114"/>
-            <a:ext cx="2224796" cy="1483197"/>
-          </a:xfrm>
-          <a:prstGeom prst="rect">
-            <a:avLst/>
-          </a:prstGeom>
-        </p:spPr>
-      </p:pic>
-      <p:pic>
-        <p:nvPicPr>
-          <p:cNvPr id="8" name="Picture 1" descr="RNA-Seq-alignment.png"/>
-          <p:cNvPicPr>
-            <a:picLocks noChangeAspect="1"/>
-          </p:cNvPicPr>
-          <p:nvPr/>
-        </p:nvPicPr>
-        <p:blipFill>
-          <a:blip r:embed="rId5">
-            <a:extLst>
-              <a:ext uri="{28A0092B-C50C-407E-A947-70E740481C1C}">
-                <a14:useLocalDpi xmlns:a14="http://schemas.microsoft.com/office/drawing/2010/main" val="0"/>
-              </a:ext>
-            </a:extLst>
-          </a:blip>
-          <a:srcRect/>
-          <a:stretch>
-            <a:fillRect/>
-          </a:stretch>
-        </p:blipFill>
-        <p:spPr bwMode="auto">
-          <a:xfrm>
-            <a:off x="900113" y="2636838"/>
-            <a:ext cx="4248150" cy="4068762"/>
-          </a:xfrm>
-          <a:prstGeom prst="rect">
-            <a:avLst/>
-          </a:prstGeom>
-          <a:noFill/>
-          <a:ln>
-            <a:noFill/>
-          </a:ln>
-          <a:extLst>
-            <a:ext uri="{909E8E84-426E-40dd-AFC4-6F175D3DCCD1}">
-              <a14:hiddenFill xmlns:a14="http://schemas.microsoft.com/office/drawing/2010/main">
-                <a:solidFill>
-                  <a:srgbClr val="FFFFFF"/>
-                </a:solidFill>
-              </a14:hiddenFill>
-            </a:ext>
-            <a:ext uri="{91240B29-F687-4f45-9708-019B960494DF}">
-              <a14:hiddenLine xmlns:a14="http://schemas.microsoft.com/office/drawing/2010/main" w="9525">
-                <a:solidFill>
-                  <a:srgbClr val="000000"/>
-                </a:solidFill>
-                <a:miter lim="800000"/>
-                <a:headEnd/>
-                <a:tailEnd/>
-              </a14:hiddenLine>
-            </a:ext>
-          </a:extLst>
-        </p:spPr>
-      </p:pic>
-    </p:spTree>
-  </p:cSld>
-  <p:clrMapOvr>
-    <a:masterClrMapping/>
-  </p:clrMapOvr>
-  <p:timing>
-    <p:tnLst>
-      <p:par>
-        <p:cTn xmlns:p14="http://schemas.microsoft.com/office/powerpoint/2010/main" id="1" dur="indefinite" restart="never" nodeType="tmRoot"/>
-      </p:par>
-    </p:tnLst>
-  </p:timing>
-</p:sld>
-</file>
-
-<file path=ppt/slides/slide40.xml><?xml version="1.0" encoding="utf-8"?>
+<file path=ppt/slides/slide39.xml><?xml version="1.0" encoding="utf-8"?>
 <p:sld xmlns:a="http://schemas.openxmlformats.org/drawingml/2006/main" xmlns:r="http://schemas.openxmlformats.org/officeDocument/2006/relationships" xmlns:p="http://schemas.openxmlformats.org/presentationml/2006/main">
   <p:cSld>
     <p:spTree>
@@ -29946,7 +28986,7 @@
             </a:r>
             <a:r>
               <a:rPr lang="en-US" sz="1600" b="1" dirty="0" smtClean="0"/>
-              <a:t>3</a:t>
+              <a:t>2</a:t>
             </a:r>
             <a:endParaRPr lang="en-US" sz="1600" b="1" dirty="0"/>
           </a:p>
@@ -29972,7 +29012,297 @@
 </p:sld>
 </file>
 
-<file path=ppt/slides/slide41.xml><?xml version="1.0" encoding="utf-8"?>
+<file path=ppt/slides/slide4.xml><?xml version="1.0" encoding="utf-8"?>
+<p:sld xmlns:a="http://schemas.openxmlformats.org/drawingml/2006/main" xmlns:r="http://schemas.openxmlformats.org/officeDocument/2006/relationships" xmlns:p="http://schemas.openxmlformats.org/presentationml/2006/main">
+  <p:cSld>
+    <p:spTree>
+      <p:nvGrpSpPr>
+        <p:cNvPr id="1" name=""/>
+        <p:cNvGrpSpPr/>
+        <p:nvPr/>
+      </p:nvGrpSpPr>
+      <p:grpSpPr>
+        <a:xfrm>
+          <a:off x="0" y="0"/>
+          <a:ext cx="0" cy="0"/>
+          <a:chOff x="0" y="0"/>
+          <a:chExt cx="0" cy="0"/>
+        </a:xfrm>
+      </p:grpSpPr>
+      <p:sp>
+        <p:nvSpPr>
+          <p:cNvPr id="12289" name="Title 1"/>
+          <p:cNvSpPr>
+            <a:spLocks noGrp="1"/>
+          </p:cNvSpPr>
+          <p:nvPr>
+            <p:ph type="title"/>
+          </p:nvPr>
+        </p:nvSpPr>
+        <p:spPr>
+          <a:xfrm>
+            <a:off x="152400" y="-26988"/>
+            <a:ext cx="8839200" cy="1143001"/>
+          </a:xfrm>
+        </p:spPr>
+        <p:txBody>
+          <a:bodyPr/>
+          <a:lstStyle/>
+          <a:p>
+            <a:r>
+              <a:rPr lang="en-US">
+                <a:latin typeface="Calibri" charset="0"/>
+                <a:ea typeface="ＭＳ Ｐゴシック" charset="0"/>
+              </a:rPr>
+              <a:t>Learning objectives of the course</a:t>
+            </a:r>
+          </a:p>
+        </p:txBody>
+      </p:sp>
+      <p:sp>
+        <p:nvSpPr>
+          <p:cNvPr id="3" name="Content Placeholder 2"/>
+          <p:cNvSpPr>
+            <a:spLocks noGrp="1"/>
+          </p:cNvSpPr>
+          <p:nvPr>
+            <p:ph idx="1"/>
+          </p:nvPr>
+        </p:nvSpPr>
+        <p:spPr>
+          <a:xfrm>
+            <a:off x="152400" y="1341438"/>
+            <a:ext cx="8839200" cy="4724400"/>
+          </a:xfrm>
+        </p:spPr>
+        <p:txBody>
+          <a:bodyPr>
+            <a:normAutofit fontScale="92500" lnSpcReduction="10000"/>
+          </a:bodyPr>
+          <a:lstStyle/>
+          <a:p>
+            <a:pPr>
+              <a:defRPr/>
+            </a:pPr>
+            <a:r>
+              <a:rPr lang="en-US" dirty="0"/>
+              <a:t>Module </a:t>
+            </a:r>
+            <a:r>
+              <a:rPr lang="en-US" dirty="0" smtClean="0"/>
+              <a:t>0: </a:t>
+            </a:r>
+            <a:r>
+              <a:rPr lang="en-US" dirty="0"/>
+              <a:t>Introduction to cloud </a:t>
+            </a:r>
+            <a:r>
+              <a:rPr lang="en-US" dirty="0" smtClean="0"/>
+              <a:t>computing</a:t>
+            </a:r>
+          </a:p>
+          <a:p>
+            <a:pPr>
+              <a:defRPr/>
+            </a:pPr>
+            <a:r>
+              <a:rPr lang="en-US" dirty="0" smtClean="0"/>
+              <a:t>Module 1: </a:t>
+            </a:r>
+            <a:r>
+              <a:rPr lang="en-US" dirty="0"/>
+              <a:t>Introduction to RNA sequencing</a:t>
+            </a:r>
+          </a:p>
+          <a:p>
+            <a:pPr>
+              <a:defRPr/>
+            </a:pPr>
+            <a:r>
+              <a:rPr lang="en-US" b="1" dirty="0"/>
+              <a:t>Module </a:t>
+            </a:r>
+            <a:r>
+              <a:rPr lang="en-US" b="1" dirty="0" smtClean="0"/>
+              <a:t>2: </a:t>
+            </a:r>
+            <a:r>
+              <a:rPr lang="en-US" b="1" dirty="0"/>
+              <a:t>RNA-seq alignment and visualization</a:t>
+            </a:r>
+          </a:p>
+          <a:p>
+            <a:pPr>
+              <a:defRPr/>
+            </a:pPr>
+            <a:r>
+              <a:rPr lang="en-US" dirty="0"/>
+              <a:t>Module </a:t>
+            </a:r>
+            <a:r>
+              <a:rPr lang="en-US" dirty="0" smtClean="0"/>
+              <a:t>3: </a:t>
+            </a:r>
+            <a:r>
+              <a:rPr lang="en-US" dirty="0"/>
+              <a:t>Expression and Differential Expression</a:t>
+            </a:r>
+          </a:p>
+          <a:p>
+            <a:pPr>
+              <a:defRPr/>
+            </a:pPr>
+            <a:r>
+              <a:rPr lang="en-US" dirty="0"/>
+              <a:t>Module </a:t>
+            </a:r>
+            <a:r>
+              <a:rPr lang="en-US" dirty="0" smtClean="0"/>
+              <a:t>4: </a:t>
+            </a:r>
+            <a:r>
+              <a:rPr lang="en-US" dirty="0"/>
+              <a:t>Isoform discovery and alternative </a:t>
+            </a:r>
+            <a:r>
+              <a:rPr lang="en-US" dirty="0" smtClean="0"/>
+              <a:t>expression</a:t>
+            </a:r>
+          </a:p>
+          <a:p>
+            <a:pPr>
+              <a:defRPr/>
+            </a:pPr>
+            <a:endParaRPr lang="en-US" dirty="0"/>
+          </a:p>
+          <a:p>
+            <a:pPr>
+              <a:defRPr/>
+            </a:pPr>
+            <a:r>
+              <a:rPr lang="en-US" dirty="0" smtClean="0"/>
+              <a:t>Tutorials</a:t>
+            </a:r>
+          </a:p>
+          <a:p>
+            <a:pPr lvl="1">
+              <a:defRPr/>
+            </a:pPr>
+            <a:r>
+              <a:rPr lang="en-US" dirty="0" smtClean="0">
+                <a:latin typeface="Calibri" charset="0"/>
+                <a:ea typeface="ＭＳ Ｐゴシック" charset="0"/>
+              </a:rPr>
+              <a:t>Provide </a:t>
+            </a:r>
+            <a:r>
+              <a:rPr lang="en-US" dirty="0">
+                <a:latin typeface="Calibri" charset="0"/>
+                <a:ea typeface="ＭＳ Ｐゴシック" charset="0"/>
+              </a:rPr>
+              <a:t>a working example of an RNA-seq analysis </a:t>
+            </a:r>
+            <a:r>
+              <a:rPr lang="en-US" dirty="0" smtClean="0">
+                <a:latin typeface="Calibri" charset="0"/>
+                <a:ea typeface="ＭＳ Ｐゴシック" charset="0"/>
+              </a:rPr>
+              <a:t>pipeline</a:t>
+            </a:r>
+          </a:p>
+          <a:p>
+            <a:pPr lvl="1">
+              <a:defRPr/>
+            </a:pPr>
+            <a:r>
+              <a:rPr lang="en-US" dirty="0">
+                <a:latin typeface="Calibri" charset="0"/>
+                <a:ea typeface="ＭＳ Ｐゴシック" charset="0"/>
+              </a:rPr>
+              <a:t>Run in a </a:t>
+            </a:r>
+            <a:r>
+              <a:rPr lang="ja-JP" altLang="en-US" dirty="0">
+                <a:latin typeface="Calibri" charset="0"/>
+                <a:ea typeface="ＭＳ Ｐゴシック" charset="0"/>
+              </a:rPr>
+              <a:t>‘</a:t>
+            </a:r>
+            <a:r>
+              <a:rPr lang="en-US" altLang="ja-JP" dirty="0">
+                <a:latin typeface="Calibri" charset="0"/>
+                <a:ea typeface="ＭＳ Ｐゴシック" charset="0"/>
+              </a:rPr>
+              <a:t>reasonable</a:t>
+            </a:r>
+            <a:r>
+              <a:rPr lang="ja-JP" altLang="en-US" dirty="0">
+                <a:latin typeface="Calibri" charset="0"/>
+                <a:ea typeface="ＭＳ Ｐゴシック" charset="0"/>
+              </a:rPr>
+              <a:t>’</a:t>
+            </a:r>
+            <a:r>
+              <a:rPr lang="en-US" altLang="ja-JP" dirty="0">
+                <a:latin typeface="Calibri" charset="0"/>
+                <a:ea typeface="ＭＳ Ｐゴシック" charset="0"/>
+              </a:rPr>
+              <a:t> amount of time with modest computer </a:t>
+            </a:r>
+            <a:r>
+              <a:rPr lang="en-US" altLang="ja-JP" dirty="0" smtClean="0">
+                <a:latin typeface="Calibri" charset="0"/>
+                <a:ea typeface="ＭＳ Ｐゴシック" charset="0"/>
+              </a:rPr>
+              <a:t>resources</a:t>
+            </a:r>
+          </a:p>
+          <a:p>
+            <a:pPr lvl="1">
+              <a:defRPr/>
+            </a:pPr>
+            <a:r>
+              <a:rPr lang="en-US" dirty="0">
+                <a:latin typeface="Calibri" charset="0"/>
+                <a:ea typeface="ＭＳ Ｐゴシック" charset="0"/>
+              </a:rPr>
+              <a:t>Self contained, self explanatory, </a:t>
+            </a:r>
+            <a:r>
+              <a:rPr lang="en-US" dirty="0" smtClean="0">
+                <a:latin typeface="Calibri" charset="0"/>
+                <a:ea typeface="ＭＳ Ｐゴシック" charset="0"/>
+              </a:rPr>
+              <a:t>portable</a:t>
+            </a:r>
+            <a:endParaRPr lang="en-US" dirty="0">
+              <a:latin typeface="Calibri" charset="0"/>
+              <a:ea typeface="ＭＳ Ｐゴシック" charset="0"/>
+            </a:endParaRPr>
+          </a:p>
+        </p:txBody>
+      </p:sp>
+    </p:spTree>
+    <p:extLst>
+      <p:ext uri="{BB962C8B-B14F-4D97-AF65-F5344CB8AC3E}">
+        <p14:creationId xmlns:p14="http://schemas.microsoft.com/office/powerpoint/2010/main" val="2776862151"/>
+      </p:ext>
+    </p:extLst>
+  </p:cSld>
+  <p:clrMapOvr>
+    <a:masterClrMapping/>
+  </p:clrMapOvr>
+  <p:timing>
+    <p:tnLst>
+      <p:par>
+        <p:cTn xmlns:p14="http://schemas.microsoft.com/office/powerpoint/2010/main" id="1" dur="indefinite" restart="never" nodeType="tmRoot"/>
+      </p:par>
+    </p:tnLst>
+  </p:timing>
+</p:sld>
+</file>
+
+<file path=ppt/slides/slide40.xml><?xml version="1.0" encoding="utf-8"?>
 <p:sld xmlns:a="http://schemas.openxmlformats.org/drawingml/2006/main" xmlns:r="http://schemas.openxmlformats.org/officeDocument/2006/relationships" xmlns:p="http://schemas.openxmlformats.org/presentationml/2006/main">
   <p:cSld>
     <p:spTree>
@@ -30041,7 +29371,7 @@
       </p:sp>
       <p:pic>
         <p:nvPicPr>
-          <p:cNvPr id="3" name="Picture 2" descr="CSHL_Logo.eps"/>
+          <p:cNvPr id="2" name="Picture 1" descr="bioinformatics-ca.eps"/>
           <p:cNvPicPr>
             <a:picLocks noChangeAspect="1"/>
           </p:cNvPicPr>
@@ -30061,70 +29391,7 @@
         </p:blipFill>
         <p:spPr>
           <a:xfrm>
-            <a:off x="1547664" y="4869160"/>
-            <a:ext cx="2594868" cy="994509"/>
-          </a:xfrm>
-          <a:prstGeom prst="rect">
-            <a:avLst/>
-          </a:prstGeom>
-          <a:solidFill>
-            <a:schemeClr val="bg1"/>
-          </a:solidFill>
-        </p:spPr>
-      </p:pic>
-      <p:pic>
-        <p:nvPicPr>
-          <p:cNvPr id="4" name="Picture 3" descr="NYGC_logo.jpeg"/>
-          <p:cNvPicPr>
-            <a:picLocks noChangeAspect="1"/>
-          </p:cNvPicPr>
-          <p:nvPr/>
-        </p:nvPicPr>
-        <p:blipFill>
-          <a:blip r:embed="rId3" cstate="print">
-            <a:extLst>
-              <a:ext uri="{28A0092B-C50C-407E-A947-70E740481C1C}">
-                <a14:useLocalDpi xmlns:a14="http://schemas.microsoft.com/office/drawing/2010/main" val="0"/>
-              </a:ext>
-            </a:extLst>
-          </a:blip>
-          <a:stretch>
-            <a:fillRect/>
-          </a:stretch>
-        </p:blipFill>
-        <p:spPr>
-          <a:xfrm>
-            <a:off x="5436096" y="4437112"/>
-            <a:ext cx="2224796" cy="1483197"/>
-          </a:xfrm>
-          <a:prstGeom prst="rect">
-            <a:avLst/>
-          </a:prstGeom>
-        </p:spPr>
-      </p:pic>
-      <p:pic>
-        <p:nvPicPr>
-          <p:cNvPr id="2" name="Picture 1" descr="bioinformatics-ca.eps"/>
-          <p:cNvPicPr>
-            <a:picLocks noChangeAspect="1"/>
-          </p:cNvPicPr>
-          <p:nvPr/>
-        </p:nvPicPr>
-        <p:blipFill>
-          <a:blip r:embed="rId4">
-            <a:extLst>
-              <a:ext uri="{28A0092B-C50C-407E-A947-70E740481C1C}">
-                <a14:useLocalDpi xmlns:a14="http://schemas.microsoft.com/office/drawing/2010/main" val="0"/>
-              </a:ext>
-            </a:extLst>
-          </a:blip>
-          <a:stretch>
-            <a:fillRect/>
-          </a:stretch>
-        </p:blipFill>
-        <p:spPr>
-          <a:xfrm>
-            <a:off x="3122397" y="3151943"/>
+            <a:off x="3122397" y="3800015"/>
             <a:ext cx="2823006" cy="1213161"/>
           </a:xfrm>
           <a:prstGeom prst="rect">
@@ -30159,7 +29426,7 @@
       </p:grpSpPr>
       <p:sp>
         <p:nvSpPr>
-          <p:cNvPr id="12289" name="Title 1"/>
+          <p:cNvPr id="13313" name="Title 1"/>
           <p:cNvSpPr>
             <a:spLocks noGrp="1"/>
           </p:cNvSpPr>
@@ -30182,14 +29449,14 @@
                 <a:latin typeface="Calibri" charset="0"/>
                 <a:ea typeface="ＭＳ Ｐゴシック" charset="0"/>
               </a:rPr>
-              <a:t>Learning objectives of the course</a:t>
+              <a:t>Learning Objectives of Module</a:t>
             </a:r>
           </a:p>
         </p:txBody>
       </p:sp>
       <p:sp>
         <p:nvSpPr>
-          <p:cNvPr id="3" name="Content Placeholder 2"/>
+          <p:cNvPr id="13314" name="Content Placeholder 2"/>
           <p:cNvSpPr>
             <a:spLocks noGrp="1"/>
           </p:cNvSpPr>
@@ -30199,221 +29466,141 @@
         </p:nvSpPr>
         <p:spPr>
           <a:xfrm>
-            <a:off x="152400" y="1341438"/>
+            <a:off x="152400" y="1412875"/>
             <a:ext cx="8839200" cy="4724400"/>
           </a:xfrm>
         </p:spPr>
         <p:txBody>
-          <a:bodyPr>
-            <a:normAutofit fontScale="92500" lnSpcReduction="10000"/>
-          </a:bodyPr>
+          <a:bodyPr/>
           <a:lstStyle/>
           <a:p>
-            <a:pPr>
-              <a:defRPr/>
-            </a:pPr>
-            <a:r>
-              <a:rPr lang="en-US" dirty="0"/>
-              <a:t>Module </a:t>
-            </a:r>
-            <a:r>
-              <a:rPr lang="en-US" dirty="0" smtClean="0"/>
-              <a:t>0: </a:t>
-            </a:r>
-            <a:r>
-              <a:rPr lang="en-US" dirty="0"/>
-              <a:t>Introduction to cloud </a:t>
-            </a:r>
-            <a:r>
-              <a:rPr lang="en-US" dirty="0" smtClean="0"/>
-              <a:t>computing</a:t>
-            </a:r>
-          </a:p>
-          <a:p>
-            <a:pPr>
-              <a:defRPr/>
-            </a:pPr>
-            <a:r>
-              <a:rPr lang="en-US" dirty="0" smtClean="0"/>
-              <a:t>Module 1: </a:t>
-            </a:r>
-            <a:r>
-              <a:rPr lang="en-US" dirty="0"/>
-              <a:t>Introduction to RNA sequencing</a:t>
-            </a:r>
-          </a:p>
-          <a:p>
-            <a:pPr>
-              <a:defRPr/>
-            </a:pPr>
-            <a:r>
-              <a:rPr lang="en-US" b="1" dirty="0"/>
-              <a:t>Module </a:t>
-            </a:r>
-            <a:r>
-              <a:rPr lang="en-US" b="1" dirty="0" smtClean="0"/>
-              <a:t>2: </a:t>
-            </a:r>
-            <a:r>
-              <a:rPr lang="en-US" b="1" dirty="0"/>
-              <a:t>RNA-seq alignment and visualization</a:t>
-            </a:r>
-          </a:p>
-          <a:p>
-            <a:pPr>
-              <a:defRPr/>
-            </a:pPr>
-            <a:r>
-              <a:rPr lang="en-US" dirty="0"/>
-              <a:t>Module </a:t>
-            </a:r>
-            <a:r>
-              <a:rPr lang="en-US" dirty="0" smtClean="0"/>
-              <a:t>3: </a:t>
-            </a:r>
-            <a:r>
-              <a:rPr lang="en-US" dirty="0"/>
-              <a:t>Expression and Differential Expression</a:t>
-            </a:r>
-          </a:p>
-          <a:p>
-            <a:pPr>
-              <a:defRPr/>
-            </a:pPr>
-            <a:r>
-              <a:rPr lang="en-US" dirty="0"/>
-              <a:t>Module </a:t>
-            </a:r>
-            <a:r>
-              <a:rPr lang="en-US" dirty="0" smtClean="0"/>
-              <a:t>4: </a:t>
-            </a:r>
-            <a:r>
-              <a:rPr lang="en-US" dirty="0"/>
-              <a:t>Isoform discovery and alternative </a:t>
-            </a:r>
-            <a:r>
-              <a:rPr lang="en-US" dirty="0" smtClean="0"/>
-              <a:t>expression</a:t>
-            </a:r>
-          </a:p>
-          <a:p>
-            <a:pPr>
-              <a:defRPr/>
-            </a:pPr>
-            <a:endParaRPr lang="en-US" dirty="0"/>
-          </a:p>
-          <a:p>
-            <a:pPr>
-              <a:defRPr/>
-            </a:pPr>
-            <a:r>
-              <a:rPr lang="en-US" dirty="0" smtClean="0"/>
-              <a:t>Tutorials</a:t>
-            </a:r>
-          </a:p>
-          <a:p>
-            <a:pPr lvl="1">
-              <a:defRPr/>
-            </a:pPr>
-            <a:r>
-              <a:rPr lang="en-US" dirty="0" smtClean="0">
-                <a:latin typeface="Calibri" charset="0"/>
-                <a:ea typeface="ＭＳ Ｐゴシック" charset="0"/>
-              </a:rPr>
-              <a:t>Provide </a:t>
-            </a:r>
             <a:r>
               <a:rPr lang="en-US" dirty="0">
                 <a:latin typeface="Calibri" charset="0"/>
                 <a:ea typeface="ＭＳ Ｐゴシック" charset="0"/>
               </a:rPr>
-              <a:t>a working example of an RNA-seq analysis </a:t>
-            </a:r>
-            <a:r>
-              <a:rPr lang="en-US" dirty="0" smtClean="0">
+              <a:t>RNA-</a:t>
+            </a:r>
+            <a:r>
+              <a:rPr lang="en-US" dirty="0" err="1">
                 <a:latin typeface="Calibri" charset="0"/>
                 <a:ea typeface="ＭＳ Ｐゴシック" charset="0"/>
               </a:rPr>
-              <a:t>pipeline</a:t>
-            </a:r>
-          </a:p>
-          <a:p>
-            <a:pPr lvl="1">
-              <a:defRPr/>
-            </a:pPr>
+              <a:t>seq</a:t>
+            </a:r>
             <a:r>
               <a:rPr lang="en-US" dirty="0">
                 <a:latin typeface="Calibri" charset="0"/>
                 <a:ea typeface="ＭＳ Ｐゴシック" charset="0"/>
               </a:rPr>
-              <a:t>Run in a </a:t>
-            </a:r>
-            <a:r>
-              <a:rPr lang="ja-JP" altLang="en-US" dirty="0">
-                <a:latin typeface="Calibri" charset="0"/>
-                <a:ea typeface="ＭＳ Ｐゴシック" charset="0"/>
-              </a:rPr>
-              <a:t>‘</a:t>
-            </a:r>
-            <a:r>
-              <a:rPr lang="en-US" altLang="ja-JP" dirty="0">
-                <a:latin typeface="Calibri" charset="0"/>
-                <a:ea typeface="ＭＳ Ｐゴシック" charset="0"/>
-              </a:rPr>
-              <a:t>reasonable</a:t>
-            </a:r>
-            <a:r>
-              <a:rPr lang="ja-JP" altLang="en-US" dirty="0">
-                <a:latin typeface="Calibri" charset="0"/>
-                <a:ea typeface="ＭＳ Ｐゴシック" charset="0"/>
-              </a:rPr>
-              <a:t>’</a:t>
-            </a:r>
-            <a:r>
-              <a:rPr lang="en-US" altLang="ja-JP" dirty="0">
-                <a:latin typeface="Calibri" charset="0"/>
-                <a:ea typeface="ＭＳ Ｐゴシック" charset="0"/>
-              </a:rPr>
-              <a:t> amount of time with modest computer </a:t>
-            </a:r>
-            <a:r>
-              <a:rPr lang="en-US" altLang="ja-JP" dirty="0" smtClean="0">
-                <a:latin typeface="Calibri" charset="0"/>
-                <a:ea typeface="ＭＳ Ｐゴシック" charset="0"/>
-              </a:rPr>
-              <a:t>resources</a:t>
-            </a:r>
-          </a:p>
-          <a:p>
-            <a:pPr lvl="1">
-              <a:defRPr/>
-            </a:pPr>
+              <a:t> alignment challenges and common questions</a:t>
+            </a:r>
+          </a:p>
+          <a:p>
             <a:r>
               <a:rPr lang="en-US" dirty="0">
                 <a:latin typeface="Calibri" charset="0"/>
                 <a:ea typeface="ＭＳ Ｐゴシック" charset="0"/>
               </a:rPr>
-              <a:t>Self contained, self explanatory, </a:t>
-            </a:r>
-            <a:r>
-              <a:rPr lang="en-US" dirty="0" smtClean="0">
+              <a:t>Alignment strategies</a:t>
+            </a:r>
+          </a:p>
+          <a:p>
+            <a:r>
+              <a:rPr lang="en-US" dirty="0">
                 <a:latin typeface="Calibri" charset="0"/>
                 <a:ea typeface="ＭＳ Ｐゴシック" charset="0"/>
               </a:rPr>
-              <a:t>portable</a:t>
+              <a:t>Bowtie/</a:t>
+            </a:r>
+            <a:r>
+              <a:rPr lang="en-US" dirty="0" err="1">
+                <a:latin typeface="Calibri" charset="0"/>
+                <a:ea typeface="ＭＳ Ｐゴシック" charset="0"/>
+              </a:rPr>
+              <a:t>TopHat</a:t>
             </a:r>
             <a:endParaRPr lang="en-US" dirty="0">
               <a:latin typeface="Calibri" charset="0"/>
               <a:ea typeface="ＭＳ Ｐゴシック" charset="0"/>
             </a:endParaRPr>
+          </a:p>
+          <a:p>
+            <a:r>
+              <a:rPr lang="en-US" dirty="0">
+                <a:latin typeface="Calibri" charset="0"/>
+                <a:ea typeface="ＭＳ Ｐゴシック" charset="0"/>
+              </a:rPr>
+              <a:t>Introduction to the BAM and BED formats</a:t>
+            </a:r>
+          </a:p>
+          <a:p>
+            <a:r>
+              <a:rPr lang="en-US" dirty="0">
+                <a:latin typeface="Calibri" charset="0"/>
+                <a:ea typeface="ＭＳ Ｐゴシック" charset="0"/>
+              </a:rPr>
+              <a:t>Basic manipulation of BAMs</a:t>
+            </a:r>
+          </a:p>
+          <a:p>
+            <a:r>
+              <a:rPr lang="en-US" dirty="0">
+                <a:latin typeface="Calibri" charset="0"/>
+                <a:ea typeface="ＭＳ Ｐゴシック" charset="0"/>
+              </a:rPr>
+              <a:t>Visualization of RNA-</a:t>
+            </a:r>
+            <a:r>
+              <a:rPr lang="en-US" dirty="0" err="1">
+                <a:latin typeface="Calibri" charset="0"/>
+                <a:ea typeface="ＭＳ Ｐゴシック" charset="0"/>
+              </a:rPr>
+              <a:t>seq</a:t>
+            </a:r>
+            <a:r>
+              <a:rPr lang="en-US" dirty="0">
+                <a:latin typeface="Calibri" charset="0"/>
+                <a:ea typeface="ＭＳ Ｐゴシック" charset="0"/>
+              </a:rPr>
+              <a:t> alignments in </a:t>
+            </a:r>
+            <a:r>
+              <a:rPr lang="en-US" dirty="0" smtClean="0">
+                <a:latin typeface="Calibri" charset="0"/>
+                <a:ea typeface="ＭＳ Ｐゴシック" charset="0"/>
+              </a:rPr>
+              <a:t>IGV</a:t>
+            </a:r>
+          </a:p>
+          <a:p>
+            <a:r>
+              <a:rPr lang="en-US" dirty="0" smtClean="0">
+                <a:latin typeface="Calibri" charset="0"/>
+                <a:ea typeface="ＭＳ Ｐゴシック" charset="0"/>
+              </a:rPr>
+              <a:t>Alignment QC Assessment</a:t>
+            </a:r>
+            <a:endParaRPr lang="en-US" dirty="0">
+              <a:latin typeface="Calibri" charset="0"/>
+              <a:ea typeface="ＭＳ Ｐゴシック" charset="0"/>
+            </a:endParaRPr>
+          </a:p>
+          <a:p>
+            <a:r>
+              <a:rPr lang="en-US" dirty="0">
+                <a:latin typeface="Calibri" charset="0"/>
+                <a:ea typeface="ＭＳ Ｐゴシック" charset="0"/>
+              </a:rPr>
+              <a:t>BAM read counting and determination of variant allele expression status</a:t>
+            </a:r>
           </a:p>
         </p:txBody>
       </p:sp>
     </p:spTree>
     <p:extLst>
       <p:ext uri="{BB962C8B-B14F-4D97-AF65-F5344CB8AC3E}">
-        <p14:creationId xmlns:p14="http://schemas.microsoft.com/office/powerpoint/2010/main" val="2776862151"/>
+        <p14:creationId xmlns:p14="http://schemas.microsoft.com/office/powerpoint/2010/main" val="1513399794"/>
       </p:ext>
     </p:extLst>
   </p:cSld>
@@ -30449,216 +29636,6 @@
       </p:grpSpPr>
       <p:sp>
         <p:nvSpPr>
-          <p:cNvPr id="13313" name="Title 1"/>
-          <p:cNvSpPr>
-            <a:spLocks noGrp="1"/>
-          </p:cNvSpPr>
-          <p:nvPr>
-            <p:ph type="title"/>
-          </p:nvPr>
-        </p:nvSpPr>
-        <p:spPr>
-          <a:xfrm>
-            <a:off x="152400" y="-26988"/>
-            <a:ext cx="8839200" cy="1143001"/>
-          </a:xfrm>
-        </p:spPr>
-        <p:txBody>
-          <a:bodyPr/>
-          <a:lstStyle/>
-          <a:p>
-            <a:r>
-              <a:rPr lang="en-US">
-                <a:latin typeface="Calibri" charset="0"/>
-                <a:ea typeface="ＭＳ Ｐゴシック" charset="0"/>
-              </a:rPr>
-              <a:t>Learning Objectives of Module</a:t>
-            </a:r>
-          </a:p>
-        </p:txBody>
-      </p:sp>
-      <p:sp>
-        <p:nvSpPr>
-          <p:cNvPr id="13314" name="Content Placeholder 2"/>
-          <p:cNvSpPr>
-            <a:spLocks noGrp="1"/>
-          </p:cNvSpPr>
-          <p:nvPr>
-            <p:ph idx="1"/>
-          </p:nvPr>
-        </p:nvSpPr>
-        <p:spPr>
-          <a:xfrm>
-            <a:off x="152400" y="1412875"/>
-            <a:ext cx="8839200" cy="4724400"/>
-          </a:xfrm>
-        </p:spPr>
-        <p:txBody>
-          <a:bodyPr/>
-          <a:lstStyle/>
-          <a:p>
-            <a:r>
-              <a:rPr lang="en-US" dirty="0">
-                <a:latin typeface="Calibri" charset="0"/>
-                <a:ea typeface="ＭＳ Ｐゴシック" charset="0"/>
-              </a:rPr>
-              <a:t>RNA-</a:t>
-            </a:r>
-            <a:r>
-              <a:rPr lang="en-US" dirty="0" err="1">
-                <a:latin typeface="Calibri" charset="0"/>
-                <a:ea typeface="ＭＳ Ｐゴシック" charset="0"/>
-              </a:rPr>
-              <a:t>seq</a:t>
-            </a:r>
-            <a:r>
-              <a:rPr lang="en-US" dirty="0">
-                <a:latin typeface="Calibri" charset="0"/>
-                <a:ea typeface="ＭＳ Ｐゴシック" charset="0"/>
-              </a:rPr>
-              <a:t> alignment challenges and common questions</a:t>
-            </a:r>
-          </a:p>
-          <a:p>
-            <a:r>
-              <a:rPr lang="en-US" dirty="0">
-                <a:latin typeface="Calibri" charset="0"/>
-                <a:ea typeface="ＭＳ Ｐゴシック" charset="0"/>
-              </a:rPr>
-              <a:t>Alignment strategies</a:t>
-            </a:r>
-          </a:p>
-          <a:p>
-            <a:r>
-              <a:rPr lang="en-US" dirty="0">
-                <a:latin typeface="Calibri" charset="0"/>
-                <a:ea typeface="ＭＳ Ｐゴシック" charset="0"/>
-              </a:rPr>
-              <a:t>Bowtie/</a:t>
-            </a:r>
-            <a:r>
-              <a:rPr lang="en-US" dirty="0" err="1">
-                <a:latin typeface="Calibri" charset="0"/>
-                <a:ea typeface="ＭＳ Ｐゴシック" charset="0"/>
-              </a:rPr>
-              <a:t>TopHat</a:t>
-            </a:r>
-            <a:endParaRPr lang="en-US" dirty="0">
-              <a:latin typeface="Calibri" charset="0"/>
-              <a:ea typeface="ＭＳ Ｐゴシック" charset="0"/>
-            </a:endParaRPr>
-          </a:p>
-          <a:p>
-            <a:r>
-              <a:rPr lang="en-US" dirty="0">
-                <a:latin typeface="Calibri" charset="0"/>
-                <a:ea typeface="ＭＳ Ｐゴシック" charset="0"/>
-              </a:rPr>
-              <a:t>Introduction to the BAM and BED formats</a:t>
-            </a:r>
-          </a:p>
-          <a:p>
-            <a:r>
-              <a:rPr lang="en-US" dirty="0">
-                <a:latin typeface="Calibri" charset="0"/>
-                <a:ea typeface="ＭＳ Ｐゴシック" charset="0"/>
-              </a:rPr>
-              <a:t>Basic manipulation of BAMs</a:t>
-            </a:r>
-          </a:p>
-          <a:p>
-            <a:r>
-              <a:rPr lang="en-US" dirty="0">
-                <a:latin typeface="Calibri" charset="0"/>
-                <a:ea typeface="ＭＳ Ｐゴシック" charset="0"/>
-              </a:rPr>
-              <a:t>Visualization of RNA-</a:t>
-            </a:r>
-            <a:r>
-              <a:rPr lang="en-US" dirty="0" err="1">
-                <a:latin typeface="Calibri" charset="0"/>
-                <a:ea typeface="ＭＳ Ｐゴシック" charset="0"/>
-              </a:rPr>
-              <a:t>seq</a:t>
-            </a:r>
-            <a:r>
-              <a:rPr lang="en-US" dirty="0">
-                <a:latin typeface="Calibri" charset="0"/>
-                <a:ea typeface="ＭＳ Ｐゴシック" charset="0"/>
-              </a:rPr>
-              <a:t> alignments in </a:t>
-            </a:r>
-            <a:r>
-              <a:rPr lang="en-US" dirty="0" smtClean="0">
-                <a:latin typeface="Calibri" charset="0"/>
-                <a:ea typeface="ＭＳ Ｐゴシック" charset="0"/>
-              </a:rPr>
-              <a:t>IGV</a:t>
-            </a:r>
-          </a:p>
-          <a:p>
-            <a:r>
-              <a:rPr lang="en-US" dirty="0" smtClean="0">
-                <a:latin typeface="Calibri" charset="0"/>
-                <a:ea typeface="ＭＳ Ｐゴシック" charset="0"/>
-              </a:rPr>
-              <a:t>Alignment QC Assessment</a:t>
-            </a:r>
-            <a:endParaRPr lang="en-US" dirty="0">
-              <a:latin typeface="Calibri" charset="0"/>
-              <a:ea typeface="ＭＳ Ｐゴシック" charset="0"/>
-            </a:endParaRPr>
-          </a:p>
-          <a:p>
-            <a:r>
-              <a:rPr lang="en-US" dirty="0">
-                <a:latin typeface="Calibri" charset="0"/>
-                <a:ea typeface="ＭＳ Ｐゴシック" charset="0"/>
-              </a:rPr>
-              <a:t>BAM read counting and determination of variant allele expression status</a:t>
-            </a:r>
-          </a:p>
-        </p:txBody>
-      </p:sp>
-    </p:spTree>
-    <p:extLst>
-      <p:ext uri="{BB962C8B-B14F-4D97-AF65-F5344CB8AC3E}">
-        <p14:creationId xmlns:p14="http://schemas.microsoft.com/office/powerpoint/2010/main" val="1513399794"/>
-      </p:ext>
-    </p:extLst>
-  </p:cSld>
-  <p:clrMapOvr>
-    <a:masterClrMapping/>
-  </p:clrMapOvr>
-  <p:timing>
-    <p:tnLst>
-      <p:par>
-        <p:cTn xmlns:p14="http://schemas.microsoft.com/office/powerpoint/2010/main" id="1" dur="indefinite" restart="never" nodeType="tmRoot"/>
-      </p:par>
-    </p:tnLst>
-  </p:timing>
-</p:sld>
-</file>
-
-<file path=ppt/slides/slide7.xml><?xml version="1.0" encoding="utf-8"?>
-<p:sld xmlns:a="http://schemas.openxmlformats.org/drawingml/2006/main" xmlns:r="http://schemas.openxmlformats.org/officeDocument/2006/relationships" xmlns:p="http://schemas.openxmlformats.org/presentationml/2006/main">
-  <p:cSld>
-    <p:spTree>
-      <p:nvGrpSpPr>
-        <p:cNvPr id="1" name=""/>
-        <p:cNvGrpSpPr/>
-        <p:nvPr/>
-      </p:nvGrpSpPr>
-      <p:grpSpPr>
-        <a:xfrm>
-          <a:off x="0" y="0"/>
-          <a:ext cx="0" cy="0"/>
-          <a:chOff x="0" y="0"/>
-          <a:chExt cx="0" cy="0"/>
-        </a:xfrm>
-      </p:grpSpPr>
-      <p:sp>
-        <p:nvSpPr>
           <p:cNvPr id="15361" name="Title 1"/>
           <p:cNvSpPr>
             <a:spLocks noGrp="1"/>
@@ -30872,7 +29849,7 @@
 </p:sld>
 </file>
 
-<file path=ppt/slides/slide8.xml><?xml version="1.0" encoding="utf-8"?>
+<file path=ppt/slides/slide7.xml><?xml version="1.0" encoding="utf-8"?>
 <p:sld xmlns:a="http://schemas.openxmlformats.org/drawingml/2006/main" xmlns:r="http://schemas.openxmlformats.org/officeDocument/2006/relationships" xmlns:p="http://schemas.openxmlformats.org/presentationml/2006/main">
   <p:cSld>
     <p:spTree>
@@ -31727,7 +30704,7 @@
 </p:sld>
 </file>
 
-<file path=ppt/slides/slide9.xml><?xml version="1.0" encoding="utf-8"?>
+<file path=ppt/slides/slide8.xml><?xml version="1.0" encoding="utf-8"?>
 <p:sld xmlns:a="http://schemas.openxmlformats.org/drawingml/2006/main" xmlns:r="http://schemas.openxmlformats.org/officeDocument/2006/relationships" xmlns:p="http://schemas.openxmlformats.org/presentationml/2006/main">
   <p:cSld>
     <p:spTree>
@@ -31880,6 +30857,355 @@
     <p:extLst>
       <p:ext uri="{BB962C8B-B14F-4D97-AF65-F5344CB8AC3E}">
         <p14:creationId xmlns:p14="http://schemas.microsoft.com/office/powerpoint/2010/main" val="4281911631"/>
+      </p:ext>
+    </p:extLst>
+  </p:cSld>
+  <p:clrMapOvr>
+    <a:masterClrMapping/>
+  </p:clrMapOvr>
+  <p:timing>
+    <p:tnLst>
+      <p:par>
+        <p:cTn xmlns:p14="http://schemas.microsoft.com/office/powerpoint/2010/main" id="1" dur="indefinite" restart="never" nodeType="tmRoot"/>
+      </p:par>
+    </p:tnLst>
+  </p:timing>
+</p:sld>
+</file>
+
+<file path=ppt/slides/slide9.xml><?xml version="1.0" encoding="utf-8"?>
+<p:sld xmlns:a="http://schemas.openxmlformats.org/drawingml/2006/main" xmlns:r="http://schemas.openxmlformats.org/officeDocument/2006/relationships" xmlns:p="http://schemas.openxmlformats.org/presentationml/2006/main">
+  <p:cSld>
+    <p:spTree>
+      <p:nvGrpSpPr>
+        <p:cNvPr id="1" name=""/>
+        <p:cNvGrpSpPr/>
+        <p:nvPr/>
+      </p:nvGrpSpPr>
+      <p:grpSpPr>
+        <a:xfrm>
+          <a:off x="0" y="0"/>
+          <a:ext cx="0" cy="0"/>
+          <a:chOff x="0" y="0"/>
+          <a:chExt cx="0" cy="0"/>
+        </a:xfrm>
+      </p:grpSpPr>
+      <p:sp>
+        <p:nvSpPr>
+          <p:cNvPr id="18433" name="Title 1"/>
+          <p:cNvSpPr>
+            <a:spLocks noGrp="1"/>
+          </p:cNvSpPr>
+          <p:nvPr>
+            <p:ph type="title"/>
+          </p:nvPr>
+        </p:nvSpPr>
+        <p:spPr>
+          <a:xfrm>
+            <a:off x="152400" y="-26988"/>
+            <a:ext cx="8839200" cy="1143001"/>
+          </a:xfrm>
+        </p:spPr>
+        <p:txBody>
+          <a:bodyPr/>
+          <a:lstStyle/>
+          <a:p>
+            <a:r>
+              <a:rPr lang="en-US">
+                <a:latin typeface="Calibri" charset="0"/>
+                <a:ea typeface="ＭＳ Ｐゴシック" charset="0"/>
+              </a:rPr>
+              <a:t>Which read aligner should I use?</a:t>
+            </a:r>
+          </a:p>
+        </p:txBody>
+      </p:sp>
+      <p:pic>
+        <p:nvPicPr>
+          <p:cNvPr id="18434" name="Content Placeholder 5" descr="mappers_timeline.jpeg"/>
+          <p:cNvPicPr>
+            <a:picLocks noGrp="1" noChangeAspect="1"/>
+          </p:cNvPicPr>
+          <p:nvPr>
+            <p:ph idx="1"/>
+          </p:nvPr>
+        </p:nvPicPr>
+        <p:blipFill>
+          <a:blip r:embed="rId2">
+            <a:extLst>
+              <a:ext uri="{28A0092B-C50C-407E-A947-70E740481C1C}">
+                <a14:useLocalDpi xmlns:a14="http://schemas.microsoft.com/office/drawing/2010/main" val="0"/>
+              </a:ext>
+            </a:extLst>
+          </a:blip>
+          <a:srcRect l="10445" t="12167" r="5742" b="2191"/>
+          <a:stretch>
+            <a:fillRect/>
+          </a:stretch>
+        </p:blipFill>
+        <p:spPr>
+          <a:xfrm>
+            <a:off x="1763713" y="1196975"/>
+            <a:ext cx="5472112" cy="4718050"/>
+          </a:xfrm>
+        </p:spPr>
+      </p:pic>
+      <p:sp>
+        <p:nvSpPr>
+          <p:cNvPr id="18435" name="TextBox 6"/>
+          <p:cNvSpPr txBox="1">
+            <a:spLocks noChangeArrowheads="1"/>
+          </p:cNvSpPr>
+          <p:nvPr/>
+        </p:nvSpPr>
+        <p:spPr bwMode="auto">
+          <a:xfrm>
+            <a:off x="2536825" y="5949950"/>
+            <a:ext cx="3979863" cy="338138"/>
+          </a:xfrm>
+          <a:prstGeom prst="rect">
+            <a:avLst/>
+          </a:prstGeom>
+          <a:noFill/>
+          <a:ln>
+            <a:noFill/>
+          </a:ln>
+          <a:extLst>
+            <a:ext uri="{909E8E84-426E-40dd-AFC4-6F175D3DCCD1}">
+              <a14:hiddenFill xmlns:a14="http://schemas.microsoft.com/office/drawing/2010/main">
+                <a:solidFill>
+                  <a:srgbClr val="FFFFFF"/>
+                </a:solidFill>
+              </a14:hiddenFill>
+            </a:ext>
+            <a:ext uri="{91240B29-F687-4f45-9708-019B960494DF}">
+              <a14:hiddenLine xmlns:a14="http://schemas.microsoft.com/office/drawing/2010/main" w="9525">
+                <a:solidFill>
+                  <a:srgbClr val="000000"/>
+                </a:solidFill>
+                <a:miter lim="800000"/>
+                <a:headEnd/>
+                <a:tailEnd/>
+              </a14:hiddenLine>
+            </a:ext>
+          </a:extLst>
+        </p:spPr>
+        <p:txBody>
+          <a:bodyPr wrap="none">
+            <a:spAutoFit/>
+          </a:bodyPr>
+          <a:lstStyle>
+            <a:lvl1pPr eaLnBrk="0" hangingPunct="0">
+              <a:defRPr sz="2400">
+                <a:solidFill>
+                  <a:schemeClr val="tx1"/>
+                </a:solidFill>
+                <a:latin typeface="Arial" charset="0"/>
+                <a:ea typeface="ＭＳ Ｐゴシック" charset="0"/>
+                <a:cs typeface="ＭＳ Ｐゴシック" charset="0"/>
+              </a:defRPr>
+            </a:lvl1pPr>
+            <a:lvl2pPr marL="742950" indent="-285750" eaLnBrk="0" hangingPunct="0">
+              <a:defRPr sz="2400">
+                <a:solidFill>
+                  <a:schemeClr val="tx1"/>
+                </a:solidFill>
+                <a:latin typeface="Arial" charset="0"/>
+                <a:ea typeface="ＭＳ Ｐゴシック" charset="0"/>
+              </a:defRPr>
+            </a:lvl2pPr>
+            <a:lvl3pPr marL="1143000" indent="-228600" eaLnBrk="0" hangingPunct="0">
+              <a:defRPr sz="2400">
+                <a:solidFill>
+                  <a:schemeClr val="tx1"/>
+                </a:solidFill>
+                <a:latin typeface="Arial" charset="0"/>
+                <a:ea typeface="ＭＳ Ｐゴシック" charset="0"/>
+              </a:defRPr>
+            </a:lvl3pPr>
+            <a:lvl4pPr marL="1600200" indent="-228600" eaLnBrk="0" hangingPunct="0">
+              <a:defRPr sz="2400">
+                <a:solidFill>
+                  <a:schemeClr val="tx1"/>
+                </a:solidFill>
+                <a:latin typeface="Arial" charset="0"/>
+                <a:ea typeface="ＭＳ Ｐゴシック" charset="0"/>
+              </a:defRPr>
+            </a:lvl4pPr>
+            <a:lvl5pPr marL="2057400" indent="-228600" eaLnBrk="0" hangingPunct="0">
+              <a:defRPr sz="2400">
+                <a:solidFill>
+                  <a:schemeClr val="tx1"/>
+                </a:solidFill>
+                <a:latin typeface="Arial" charset="0"/>
+                <a:ea typeface="ＭＳ Ｐゴシック" charset="0"/>
+              </a:defRPr>
+            </a:lvl5pPr>
+            <a:lvl6pPr marL="2514600" indent="-228600" eaLnBrk="0" fontAlgn="base" hangingPunct="0">
+              <a:spcBef>
+                <a:spcPct val="0"/>
+              </a:spcBef>
+              <a:spcAft>
+                <a:spcPct val="0"/>
+              </a:spcAft>
+              <a:defRPr sz="2400">
+                <a:solidFill>
+                  <a:schemeClr val="tx1"/>
+                </a:solidFill>
+                <a:latin typeface="Arial" charset="0"/>
+                <a:ea typeface="ＭＳ Ｐゴシック" charset="0"/>
+              </a:defRPr>
+            </a:lvl6pPr>
+            <a:lvl7pPr marL="2971800" indent="-228600" eaLnBrk="0" fontAlgn="base" hangingPunct="0">
+              <a:spcBef>
+                <a:spcPct val="0"/>
+              </a:spcBef>
+              <a:spcAft>
+                <a:spcPct val="0"/>
+              </a:spcAft>
+              <a:defRPr sz="2400">
+                <a:solidFill>
+                  <a:schemeClr val="tx1"/>
+                </a:solidFill>
+                <a:latin typeface="Arial" charset="0"/>
+                <a:ea typeface="ＭＳ Ｐゴシック" charset="0"/>
+              </a:defRPr>
+            </a:lvl7pPr>
+            <a:lvl8pPr marL="3429000" indent="-228600" eaLnBrk="0" fontAlgn="base" hangingPunct="0">
+              <a:spcBef>
+                <a:spcPct val="0"/>
+              </a:spcBef>
+              <a:spcAft>
+                <a:spcPct val="0"/>
+              </a:spcAft>
+              <a:defRPr sz="2400">
+                <a:solidFill>
+                  <a:schemeClr val="tx1"/>
+                </a:solidFill>
+                <a:latin typeface="Arial" charset="0"/>
+                <a:ea typeface="ＭＳ Ｐゴシック" charset="0"/>
+              </a:defRPr>
+            </a:lvl8pPr>
+            <a:lvl9pPr marL="3886200" indent="-228600" eaLnBrk="0" fontAlgn="base" hangingPunct="0">
+              <a:spcBef>
+                <a:spcPct val="0"/>
+              </a:spcBef>
+              <a:spcAft>
+                <a:spcPct val="0"/>
+              </a:spcAft>
+              <a:defRPr sz="2400">
+                <a:solidFill>
+                  <a:schemeClr val="tx1"/>
+                </a:solidFill>
+                <a:latin typeface="Arial" charset="0"/>
+                <a:ea typeface="ＭＳ Ｐゴシック" charset="0"/>
+              </a:defRPr>
+            </a:lvl9pPr>
+          </a:lstStyle>
+          <a:p>
+            <a:pPr eaLnBrk="1" hangingPunct="1"/>
+            <a:r>
+              <a:rPr lang="en-US" sz="1600">
+                <a:hlinkClick r:id="rId3"/>
+              </a:rPr>
+              <a:t>http://wwwdev.ebi.ac.uk/fg/hts_mappers/</a:t>
+            </a:r>
+            <a:endParaRPr lang="en-US" sz="1600"/>
+          </a:p>
+        </p:txBody>
+      </p:sp>
+      <p:sp>
+        <p:nvSpPr>
+          <p:cNvPr id="2" name="TextBox 1"/>
+          <p:cNvSpPr txBox="1"/>
+          <p:nvPr/>
+        </p:nvSpPr>
+        <p:spPr>
+          <a:xfrm>
+            <a:off x="7524750" y="3933825"/>
+            <a:ext cx="1108075" cy="1076325"/>
+          </a:xfrm>
+          <a:prstGeom prst="rect">
+            <a:avLst/>
+          </a:prstGeom>
+        </p:spPr>
+        <p:style>
+          <a:lnRef idx="2">
+            <a:schemeClr val="dk1"/>
+          </a:lnRef>
+          <a:fillRef idx="1">
+            <a:schemeClr val="lt1"/>
+          </a:fillRef>
+          <a:effectRef idx="0">
+            <a:schemeClr val="dk1"/>
+          </a:effectRef>
+          <a:fontRef idx="minor">
+            <a:schemeClr val="dk1"/>
+          </a:fontRef>
+        </p:style>
+        <p:txBody>
+          <a:bodyPr wrap="none">
+            <a:spAutoFit/>
+          </a:bodyPr>
+          <a:lstStyle/>
+          <a:p>
+            <a:pPr>
+              <a:defRPr/>
+            </a:pPr>
+            <a:r>
+              <a:rPr lang="en-US" sz="1600" dirty="0">
+                <a:solidFill>
+                  <a:srgbClr val="FF0000"/>
+                </a:solidFill>
+              </a:rPr>
+              <a:t>RNA</a:t>
+            </a:r>
+          </a:p>
+          <a:p>
+            <a:pPr>
+              <a:defRPr/>
+            </a:pPr>
+            <a:r>
+              <a:rPr lang="en-US" sz="1600" dirty="0">
+                <a:solidFill>
+                  <a:srgbClr val="E652DA"/>
+                </a:solidFill>
+              </a:rPr>
+              <a:t>Bisulfite</a:t>
+            </a:r>
+          </a:p>
+          <a:p>
+            <a:pPr>
+              <a:defRPr/>
+            </a:pPr>
+            <a:r>
+              <a:rPr lang="en-US" sz="1600" dirty="0">
+                <a:solidFill>
+                  <a:srgbClr val="0000FF"/>
+                </a:solidFill>
+              </a:rPr>
+              <a:t>DNA</a:t>
+            </a:r>
+          </a:p>
+          <a:p>
+            <a:pPr>
+              <a:defRPr/>
+            </a:pPr>
+            <a:r>
+              <a:rPr lang="en-US" sz="1600" dirty="0">
+                <a:solidFill>
+                  <a:srgbClr val="20FF38"/>
+                </a:solidFill>
+              </a:rPr>
+              <a:t>microRNA</a:t>
+            </a:r>
+          </a:p>
+        </p:txBody>
+      </p:sp>
+    </p:spTree>
+    <p:extLst>
+      <p:ext uri="{BB962C8B-B14F-4D97-AF65-F5344CB8AC3E}">
+        <p14:creationId xmlns:p14="http://schemas.microsoft.com/office/powerpoint/2010/main" val="1511660920"/>
       </p:ext>
     </p:extLst>
   </p:cSld>
